--- a/Day 2/Slides/8. String Formatting/string-formatting-slides.pptx
+++ b/Day 2/Slides/8. String Formatting/string-formatting-slides.pptx
@@ -5,34 +5,34 @@
     <p:sldMasterId id="2147483648" r:id="rId1"/>
   </p:sldMasterIdLst>
   <p:notesMasterIdLst>
-    <p:notesMasterId r:id="rId28"/>
+    <p:notesMasterId r:id="rId27"/>
   </p:notesMasterIdLst>
   <p:sldIdLst>
-    <p:sldId id="256" r:id="rId3"/>
-    <p:sldId id="257" r:id="rId4"/>
-    <p:sldId id="258" r:id="rId5"/>
-    <p:sldId id="259" r:id="rId6"/>
-    <p:sldId id="260" r:id="rId7"/>
-    <p:sldId id="261" r:id="rId8"/>
-    <p:sldId id="262" r:id="rId9"/>
-    <p:sldId id="263" r:id="rId10"/>
-    <p:sldId id="264" r:id="rId11"/>
-    <p:sldId id="265" r:id="rId12"/>
-    <p:sldId id="266" r:id="rId13"/>
-    <p:sldId id="267" r:id="rId14"/>
-    <p:sldId id="268" r:id="rId15"/>
-    <p:sldId id="269" r:id="rId16"/>
-    <p:sldId id="270" r:id="rId17"/>
-    <p:sldId id="271" r:id="rId18"/>
-    <p:sldId id="272" r:id="rId19"/>
-    <p:sldId id="273" r:id="rId20"/>
-    <p:sldId id="274" r:id="rId21"/>
-    <p:sldId id="275" r:id="rId22"/>
-    <p:sldId id="276" r:id="rId23"/>
-    <p:sldId id="277" r:id="rId24"/>
-    <p:sldId id="278" r:id="rId25"/>
-    <p:sldId id="279" r:id="rId26"/>
-    <p:sldId id="280" r:id="rId27"/>
+    <p:sldId id="256" r:id="rId2"/>
+    <p:sldId id="257" r:id="rId3"/>
+    <p:sldId id="258" r:id="rId4"/>
+    <p:sldId id="259" r:id="rId5"/>
+    <p:sldId id="260" r:id="rId6"/>
+    <p:sldId id="261" r:id="rId7"/>
+    <p:sldId id="262" r:id="rId8"/>
+    <p:sldId id="263" r:id="rId9"/>
+    <p:sldId id="264" r:id="rId10"/>
+    <p:sldId id="265" r:id="rId11"/>
+    <p:sldId id="266" r:id="rId12"/>
+    <p:sldId id="267" r:id="rId13"/>
+    <p:sldId id="268" r:id="rId14"/>
+    <p:sldId id="269" r:id="rId15"/>
+    <p:sldId id="270" r:id="rId16"/>
+    <p:sldId id="271" r:id="rId17"/>
+    <p:sldId id="272" r:id="rId18"/>
+    <p:sldId id="273" r:id="rId19"/>
+    <p:sldId id="274" r:id="rId20"/>
+    <p:sldId id="275" r:id="rId21"/>
+    <p:sldId id="276" r:id="rId22"/>
+    <p:sldId id="277" r:id="rId23"/>
+    <p:sldId id="278" r:id="rId24"/>
+    <p:sldId id="279" r:id="rId25"/>
+    <p:sldId id="280" r:id="rId26"/>
   </p:sldIdLst>
   <p:sldSz cx="12192000" cy="6858000"/>
   <p:notesSz cx="12192000" cy="6858000"/>
@@ -128,6 +128,22 @@
       </a:defRPr>
     </a:lvl9pPr>
   </p:defaultTextStyle>
+  <p:extLst>
+    <p:ext uri="{EFAFB233-063F-42B5-8137-9DF3F51BA10A}">
+      <p15:sldGuideLst xmlns:p15="http://schemas.microsoft.com/office/powerpoint/2012/main">
+        <p15:guide id="1" orient="horz" pos="2880">
+          <p15:clr>
+            <a:srgbClr val="A4A3A4"/>
+          </p15:clr>
+        </p15:guide>
+        <p15:guide id="2" pos="2160">
+          <p15:clr>
+            <a:srgbClr val="A4A3A4"/>
+          </p15:clr>
+        </p15:guide>
+      </p15:sldGuideLst>
+    </p:ext>
+  </p:extLst>
 </p:presentation>
 </file>
 
@@ -213,6 +229,7 @@
           <a:p>
             <a:fld id="{3EFD42F7-718C-4B98-AAEC-167E6DDD60A7}" type="datetimeFigureOut">
               <a:rPr lang="en-US" smtClean="0"/>
+              <a:t>8/7/2023</a:t>
             </a:fld>
             <a:endParaRPr lang="en-US"/>
           </a:p>
@@ -276,42 +293,37 @@
           <a:p>
             <a:pPr lvl="0"/>
             <a:r>
-              <a:rPr lang="en-US" smtClean="0"/>
+              <a:rPr lang="en-US"/>
               <a:t>Click to edit Master text styles</a:t>
             </a:r>
-            <a:endParaRPr lang="en-US" smtClean="0"/>
           </a:p>
           <a:p>
             <a:pPr lvl="1"/>
             <a:r>
-              <a:rPr lang="en-US" smtClean="0"/>
+              <a:rPr lang="en-US"/>
               <a:t>Second level</a:t>
             </a:r>
-            <a:endParaRPr lang="en-US" smtClean="0"/>
           </a:p>
           <a:p>
             <a:pPr lvl="2"/>
             <a:r>
-              <a:rPr lang="en-US" smtClean="0"/>
+              <a:rPr lang="en-US"/>
               <a:t>Third level</a:t>
             </a:r>
-            <a:endParaRPr lang="en-US" smtClean="0"/>
           </a:p>
           <a:p>
             <a:pPr lvl="3"/>
             <a:r>
-              <a:rPr lang="en-US" smtClean="0"/>
+              <a:rPr lang="en-US"/>
               <a:t>Fourth level</a:t>
             </a:r>
-            <a:endParaRPr lang="en-US" smtClean="0"/>
           </a:p>
           <a:p>
             <a:pPr lvl="4"/>
             <a:r>
-              <a:rPr lang="en-US" smtClean="0"/>
+              <a:rPr lang="en-US"/>
               <a:t>Fifth level</a:t>
             </a:r>
-            <a:endParaRPr lang="en-US"/>
           </a:p>
         </p:txBody>
       </p:sp>
@@ -375,6 +387,7 @@
           <a:p>
             <a:fld id="{21B2AA4F-B828-4D7C-AFD3-893933DAFCB4}" type="slidenum">
               <a:rPr lang="en-US" smtClean="0"/>
+              <a:t>‹#›</a:t>
             </a:fld>
             <a:endParaRPr lang="en-US"/>
           </a:p>
@@ -523,7 +536,9 @@
               <a:defRPr/>
             </a:lvl1pPr>
           </a:lstStyle>
-          <a:p/>
+          <a:p>
+            <a:endParaRPr/>
+          </a:p>
         </p:txBody>
       </p:sp>
       <p:sp>
@@ -554,7 +569,9 @@
               <a:defRPr/>
             </a:lvl1pPr>
           </a:lstStyle>
-          <a:p/>
+          <a:p>
+            <a:endParaRPr/>
+          </a:p>
         </p:txBody>
       </p:sp>
       <p:sp>
@@ -581,7 +598,9 @@
               </a:defRPr>
             </a:lvl1pPr>
           </a:lstStyle>
-          <a:p/>
+          <a:p>
+            <a:endParaRPr/>
+          </a:p>
         </p:txBody>
       </p:sp>
       <p:sp>
@@ -611,6 +630,7 @@
           <a:p>
             <a:fld id="{1D8BD707-D9CF-40AE-B4C6-C98DA3205C09}" type="datetimeFigureOut">
               <a:rPr lang="en-US"/>
+              <a:t>8/7/2023</a:t>
             </a:fld>
             <a:endParaRPr lang="en-US"/>
           </a:p>
@@ -643,6 +663,7 @@
           <a:p>
             <a:fld id="{B6F15528-21DE-4FAA-801E-634DDDAF4B2B}" type="slidenum">
               <a:rPr/>
+              <a:t>‹#›</a:t>
             </a:fld>
             <a:endParaRPr/>
           </a:p>
@@ -658,7 +679,7 @@
 </file>
 
 <file path=ppt/slideLayouts/slideLayout2.xml><?xml version="1.0" encoding="utf-8"?>
-<p:sldLayout xmlns:a="http://schemas.openxmlformats.org/drawingml/2006/main" xmlns:r="http://schemas.openxmlformats.org/officeDocument/2006/relationships" xmlns:p="http://schemas.openxmlformats.org/presentationml/2006/main" type="obj" preserve="1" showMasterSp="0">
+<p:sldLayout xmlns:a="http://schemas.openxmlformats.org/drawingml/2006/main" xmlns:r="http://schemas.openxmlformats.org/officeDocument/2006/relationships" xmlns:p="http://schemas.openxmlformats.org/presentationml/2006/main" showMasterSp="0" type="obj" preserve="1">
   <p:cSld name="Title and Content">
     <p:bg>
       <p:bgPr>
@@ -727,7 +748,9 @@
         <p:txBody>
           <a:bodyPr wrap="square" lIns="0" tIns="0" rIns="0" bIns="0" rtlCol="0"/>
           <a:lstStyle/>
-          <a:p/>
+          <a:p>
+            <a:endParaRPr/>
+          </a:p>
         </p:txBody>
       </p:sp>
       <p:pic>
@@ -797,7 +820,9 @@
         <p:txBody>
           <a:bodyPr wrap="square" lIns="0" tIns="0" rIns="0" bIns="0" rtlCol="0"/>
           <a:lstStyle/>
-          <a:p/>
+          <a:p>
+            <a:endParaRPr/>
+          </a:p>
         </p:txBody>
       </p:sp>
       <p:sp>
@@ -857,7 +882,9 @@
         <p:txBody>
           <a:bodyPr wrap="square" lIns="0" tIns="0" rIns="0" bIns="0" rtlCol="0"/>
           <a:lstStyle/>
-          <a:p/>
+          <a:p>
+            <a:endParaRPr/>
+          </a:p>
         </p:txBody>
       </p:sp>
       <p:sp>
@@ -884,7 +911,9 @@
               </a:defRPr>
             </a:lvl1pPr>
           </a:lstStyle>
-          <a:p/>
+          <a:p>
+            <a:endParaRPr/>
+          </a:p>
         </p:txBody>
       </p:sp>
       <p:sp>
@@ -909,7 +938,9 @@
               </a:defRPr>
             </a:lvl1pPr>
           </a:lstStyle>
-          <a:p/>
+          <a:p>
+            <a:endParaRPr/>
+          </a:p>
         </p:txBody>
       </p:sp>
       <p:sp>
@@ -936,7 +967,9 @@
               </a:defRPr>
             </a:lvl1pPr>
           </a:lstStyle>
-          <a:p/>
+          <a:p>
+            <a:endParaRPr/>
+          </a:p>
         </p:txBody>
       </p:sp>
       <p:sp>
@@ -966,6 +999,7 @@
           <a:p>
             <a:fld id="{1D8BD707-D9CF-40AE-B4C6-C98DA3205C09}" type="datetimeFigureOut">
               <a:rPr lang="en-US"/>
+              <a:t>8/7/2023</a:t>
             </a:fld>
             <a:endParaRPr lang="en-US"/>
           </a:p>
@@ -998,6 +1032,7 @@
           <a:p>
             <a:fld id="{B6F15528-21DE-4FAA-801E-634DDDAF4B2B}" type="slidenum">
               <a:rPr/>
+              <a:t>‹#›</a:t>
             </a:fld>
             <a:endParaRPr/>
           </a:p>
@@ -1053,7 +1088,9 @@
               </a:defRPr>
             </a:lvl1pPr>
           </a:lstStyle>
-          <a:p/>
+          <a:p>
+            <a:endParaRPr/>
+          </a:p>
         </p:txBody>
       </p:sp>
       <p:sp>
@@ -1084,7 +1121,9 @@
               <a:defRPr/>
             </a:lvl1pPr>
           </a:lstStyle>
-          <a:p/>
+          <a:p>
+            <a:endParaRPr/>
+          </a:p>
         </p:txBody>
       </p:sp>
       <p:sp>
@@ -1115,7 +1154,9 @@
               <a:defRPr/>
             </a:lvl1pPr>
           </a:lstStyle>
-          <a:p/>
+          <a:p>
+            <a:endParaRPr/>
+          </a:p>
         </p:txBody>
       </p:sp>
       <p:sp>
@@ -1142,7 +1183,9 @@
               </a:defRPr>
             </a:lvl1pPr>
           </a:lstStyle>
-          <a:p/>
+          <a:p>
+            <a:endParaRPr/>
+          </a:p>
         </p:txBody>
       </p:sp>
       <p:sp>
@@ -1172,6 +1215,7 @@
           <a:p>
             <a:fld id="{1D8BD707-D9CF-40AE-B4C6-C98DA3205C09}" type="datetimeFigureOut">
               <a:rPr lang="en-US"/>
+              <a:t>8/7/2023</a:t>
             </a:fld>
             <a:endParaRPr lang="en-US"/>
           </a:p>
@@ -1204,6 +1248,7 @@
           <a:p>
             <a:fld id="{B6F15528-21DE-4FAA-801E-634DDDAF4B2B}" type="slidenum">
               <a:rPr/>
+              <a:t>‹#›</a:t>
             </a:fld>
             <a:endParaRPr/>
           </a:p>
@@ -1259,7 +1304,9 @@
               </a:defRPr>
             </a:lvl1pPr>
           </a:lstStyle>
-          <a:p/>
+          <a:p>
+            <a:endParaRPr/>
+          </a:p>
         </p:txBody>
       </p:sp>
       <p:sp>
@@ -1286,7 +1333,9 @@
               </a:defRPr>
             </a:lvl1pPr>
           </a:lstStyle>
-          <a:p/>
+          <a:p>
+            <a:endParaRPr/>
+          </a:p>
         </p:txBody>
       </p:sp>
       <p:sp>
@@ -1316,6 +1365,7 @@
           <a:p>
             <a:fld id="{1D8BD707-D9CF-40AE-B4C6-C98DA3205C09}" type="datetimeFigureOut">
               <a:rPr lang="en-US"/>
+              <a:t>8/7/2023</a:t>
             </a:fld>
             <a:endParaRPr lang="en-US"/>
           </a:p>
@@ -1348,6 +1398,7 @@
           <a:p>
             <a:fld id="{B6F15528-21DE-4FAA-801E-634DDDAF4B2B}" type="slidenum">
               <a:rPr/>
+              <a:t>‹#›</a:t>
             </a:fld>
             <a:endParaRPr/>
           </a:p>
@@ -1403,7 +1454,9 @@
               </a:defRPr>
             </a:lvl1pPr>
           </a:lstStyle>
-          <a:p/>
+          <a:p>
+            <a:endParaRPr/>
+          </a:p>
         </p:txBody>
       </p:sp>
       <p:sp>
@@ -1433,6 +1486,7 @@
           <a:p>
             <a:fld id="{1D8BD707-D9CF-40AE-B4C6-C98DA3205C09}" type="datetimeFigureOut">
               <a:rPr lang="en-US"/>
+              <a:t>8/7/2023</a:t>
             </a:fld>
             <a:endParaRPr lang="en-US"/>
           </a:p>
@@ -1465,6 +1519,7 @@
           <a:p>
             <a:fld id="{B6F15528-21DE-4FAA-801E-634DDDAF4B2B}" type="slidenum">
               <a:rPr/>
+              <a:t>‹#›</a:t>
             </a:fld>
             <a:endParaRPr/>
           </a:p>
@@ -1538,7 +1593,9 @@
               </a:defRPr>
             </a:lvl1pPr>
           </a:lstStyle>
-          <a:p/>
+          <a:p>
+            <a:endParaRPr/>
+          </a:p>
         </p:txBody>
       </p:sp>
       <p:sp>
@@ -1573,7 +1630,9 @@
               </a:defRPr>
             </a:lvl1pPr>
           </a:lstStyle>
-          <a:p/>
+          <a:p>
+            <a:endParaRPr/>
+          </a:p>
         </p:txBody>
       </p:sp>
       <p:sp>
@@ -1610,7 +1669,9 @@
               </a:defRPr>
             </a:lvl1pPr>
           </a:lstStyle>
-          <a:p/>
+          <a:p>
+            <a:endParaRPr/>
+          </a:p>
         </p:txBody>
       </p:sp>
       <p:sp>
@@ -1650,6 +1711,7 @@
           <a:p>
             <a:fld id="{1D8BD707-D9CF-40AE-B4C6-C98DA3205C09}" type="datetimeFigureOut">
               <a:rPr lang="en-US"/>
+              <a:t>8/7/2023</a:t>
             </a:fld>
             <a:endParaRPr lang="en-US"/>
           </a:p>
@@ -1692,6 +1754,7 @@
           <a:p>
             <a:fld id="{B6F15528-21DE-4FAA-801E-634DDDAF4B2B}" type="slidenum">
               <a:rPr/>
+              <a:t>‹#›</a:t>
             </a:fld>
             <a:endParaRPr/>
           </a:p>
@@ -1876,7 +1939,7 @@
           <p:nvPr/>
         </p:nvPicPr>
         <p:blipFill>
-          <a:blip r:embed="rId1" cstate="print"/>
+          <a:blip r:embed="rId2" cstate="print"/>
           <a:stretch>
             <a:fillRect/>
           </a:stretch>
@@ -1898,7 +1961,7 @@
           <p:nvPr/>
         </p:nvPicPr>
         <p:blipFill>
-          <a:blip r:embed="rId2" cstate="print"/>
+          <a:blip r:embed="rId3" cstate="print"/>
           <a:stretch>
             <a:fillRect/>
           </a:stretch>
@@ -2140,7 +2203,9 @@
         <p:txBody>
           <a:bodyPr wrap="square" lIns="0" tIns="0" rIns="0" bIns="0" rtlCol="0"/>
           <a:lstStyle/>
-          <a:p/>
+          <a:p>
+            <a:endParaRPr/>
+          </a:p>
         </p:txBody>
       </p:sp>
       <p:sp>
@@ -2156,9 +2221,11 @@
         <p:spPr/>
         <p:txBody>
           <a:bodyPr/>
+          <a:lstStyle/>
           <a:p>
             <a:fld id="{B6F15528-21DE-4FAA-801E-634DDDAF4B2B}" type="slidenum">
               <a:rPr/>
+              <a:t>1</a:t>
             </a:fld>
             <a:endParaRPr/>
           </a:p>
@@ -2196,7 +2263,7 @@
           <p:nvPr/>
         </p:nvPicPr>
         <p:blipFill>
-          <a:blip r:embed="rId1" cstate="print"/>
+          <a:blip r:embed="rId2" cstate="print"/>
           <a:stretch>
             <a:fillRect/>
           </a:stretch>
@@ -2221,7 +2288,7 @@
         </p:nvGraphicFramePr>
         <p:xfrm>
           <a:off x="573912" y="1872233"/>
-          <a:ext cx="11050905" cy="2573020"/>
+          <a:ext cx="11030583" cy="2560317"/>
         </p:xfrm>
         <a:graphic>
           <a:graphicData uri="http://schemas.openxmlformats.org/drawingml/2006/table">
@@ -2230,11 +2297,41 @@
                 <a:tableStyleId>{2D5ABB26-0587-4C30-8999-92F81FD0307C}</a:tableStyleId>
               </a:tblPr>
               <a:tblGrid>
-                <a:gridCol w="793115"/>
-                <a:gridCol w="2844800"/>
-                <a:gridCol w="2576194"/>
-                <a:gridCol w="2513329"/>
-                <a:gridCol w="2303145"/>
+                <a:gridCol w="793115">
+                  <a:extLst>
+                    <a:ext uri="{9D8B030D-6E8A-4147-A177-3AD203B41FA5}">
+                      <a16:colId xmlns:a16="http://schemas.microsoft.com/office/drawing/2014/main" val="20000"/>
+                    </a:ext>
+                  </a:extLst>
+                </a:gridCol>
+                <a:gridCol w="2844800">
+                  <a:extLst>
+                    <a:ext uri="{9D8B030D-6E8A-4147-A177-3AD203B41FA5}">
+                      <a16:colId xmlns:a16="http://schemas.microsoft.com/office/drawing/2014/main" val="20001"/>
+                    </a:ext>
+                  </a:extLst>
+                </a:gridCol>
+                <a:gridCol w="2576194">
+                  <a:extLst>
+                    <a:ext uri="{9D8B030D-6E8A-4147-A177-3AD203B41FA5}">
+                      <a16:colId xmlns:a16="http://schemas.microsoft.com/office/drawing/2014/main" val="20002"/>
+                    </a:ext>
+                  </a:extLst>
+                </a:gridCol>
+                <a:gridCol w="2513329">
+                  <a:extLst>
+                    <a:ext uri="{9D8B030D-6E8A-4147-A177-3AD203B41FA5}">
+                      <a16:colId xmlns:a16="http://schemas.microsoft.com/office/drawing/2014/main" val="20003"/>
+                    </a:ext>
+                  </a:extLst>
+                </a:gridCol>
+                <a:gridCol w="2303145">
+                  <a:extLst>
+                    <a:ext uri="{9D8B030D-6E8A-4147-A177-3AD203B41FA5}">
+                      <a16:colId xmlns:a16="http://schemas.microsoft.com/office/drawing/2014/main" val="20004"/>
+                    </a:ext>
+                  </a:extLst>
+                </a:gridCol>
               </a:tblGrid>
               <a:tr h="426719">
                 <a:tc>
@@ -2467,6 +2564,11 @@
                     </a:solidFill>
                   </a:tcPr>
                 </a:tc>
+                <a:extLst>
+                  <a:ext uri="{0D108BD9-81ED-4DB2-BD59-A6C34878D82A}">
+                    <a16:rowId xmlns:a16="http://schemas.microsoft.com/office/drawing/2014/main" val="10000"/>
+                  </a:ext>
+                </a:extLst>
               </a:tr>
               <a:tr h="426720">
                 <a:tc>
@@ -2699,6 +2801,11 @@
                     </a:solidFill>
                   </a:tcPr>
                 </a:tc>
+                <a:extLst>
+                  <a:ext uri="{0D108BD9-81ED-4DB2-BD59-A6C34878D82A}">
+                    <a16:rowId xmlns:a16="http://schemas.microsoft.com/office/drawing/2014/main" val="10001"/>
+                  </a:ext>
+                </a:extLst>
               </a:tr>
               <a:tr h="426720">
                 <a:tc>
@@ -2931,6 +3038,11 @@
                     </a:solidFill>
                   </a:tcPr>
                 </a:tc>
+                <a:extLst>
+                  <a:ext uri="{0D108BD9-81ED-4DB2-BD59-A6C34878D82A}">
+                    <a16:rowId xmlns:a16="http://schemas.microsoft.com/office/drawing/2014/main" val="10002"/>
+                  </a:ext>
+                </a:extLst>
               </a:tr>
               <a:tr h="426719">
                 <a:tc>
@@ -3163,6 +3275,11 @@
                     </a:solidFill>
                   </a:tcPr>
                 </a:tc>
+                <a:extLst>
+                  <a:ext uri="{0D108BD9-81ED-4DB2-BD59-A6C34878D82A}">
+                    <a16:rowId xmlns:a16="http://schemas.microsoft.com/office/drawing/2014/main" val="10003"/>
+                  </a:ext>
+                </a:extLst>
               </a:tr>
               <a:tr h="426719">
                 <a:tc>
@@ -3395,6 +3512,11 @@
                     </a:solidFill>
                   </a:tcPr>
                 </a:tc>
+                <a:extLst>
+                  <a:ext uri="{0D108BD9-81ED-4DB2-BD59-A6C34878D82A}">
+                    <a16:rowId xmlns:a16="http://schemas.microsoft.com/office/drawing/2014/main" val="10004"/>
+                  </a:ext>
+                </a:extLst>
               </a:tr>
               <a:tr h="426720">
                 <a:tc>
@@ -3627,6 +3749,11 @@
                     </a:solidFill>
                   </a:tcPr>
                 </a:tc>
+                <a:extLst>
+                  <a:ext uri="{0D108BD9-81ED-4DB2-BD59-A6C34878D82A}">
+                    <a16:rowId xmlns:a16="http://schemas.microsoft.com/office/drawing/2014/main" val="10005"/>
+                  </a:ext>
+                </a:extLst>
               </a:tr>
             </a:tbl>
           </a:graphicData>
@@ -3639,7 +3766,7 @@
           <p:nvPr/>
         </p:nvPicPr>
         <p:blipFill>
-          <a:blip r:embed="rId2" cstate="print"/>
+          <a:blip r:embed="rId3" cstate="print"/>
           <a:stretch>
             <a:fillRect/>
           </a:stretch>
@@ -3661,7 +3788,7 @@
           <p:nvPr/>
         </p:nvPicPr>
         <p:blipFill>
-          <a:blip r:embed="rId3" cstate="print"/>
+          <a:blip r:embed="rId4" cstate="print"/>
           <a:stretch>
             <a:fillRect/>
           </a:stretch>
@@ -3683,7 +3810,7 @@
           <p:nvPr/>
         </p:nvPicPr>
         <p:blipFill>
-          <a:blip r:embed="rId4" cstate="print"/>
+          <a:blip r:embed="rId5" cstate="print"/>
           <a:stretch>
             <a:fillRect/>
           </a:stretch>
@@ -3705,7 +3832,7 @@
           <p:nvPr/>
         </p:nvPicPr>
         <p:blipFill>
-          <a:blip r:embed="rId5" cstate="print"/>
+          <a:blip r:embed="rId6" cstate="print"/>
           <a:stretch>
             <a:fillRect/>
           </a:stretch>
@@ -3727,7 +3854,7 @@
           <p:nvPr/>
         </p:nvPicPr>
         <p:blipFill>
-          <a:blip r:embed="rId6" cstate="print"/>
+          <a:blip r:embed="rId7" cstate="print"/>
           <a:stretch>
             <a:fillRect/>
           </a:stretch>
@@ -3749,7 +3876,7 @@
           <p:nvPr/>
         </p:nvPicPr>
         <p:blipFill>
-          <a:blip r:embed="rId7" cstate="print"/>
+          <a:blip r:embed="rId8" cstate="print"/>
           <a:stretch>
             <a:fillRect/>
           </a:stretch>
@@ -3771,7 +3898,7 @@
           <p:nvPr/>
         </p:nvPicPr>
         <p:blipFill>
-          <a:blip r:embed="rId8" cstate="print"/>
+          <a:blip r:embed="rId9" cstate="print"/>
           <a:stretch>
             <a:fillRect/>
           </a:stretch>
@@ -3793,7 +3920,7 @@
           <p:nvPr/>
         </p:nvPicPr>
         <p:blipFill>
-          <a:blip r:embed="rId9" cstate="print"/>
+          <a:blip r:embed="rId10" cstate="print"/>
           <a:stretch>
             <a:fillRect/>
           </a:stretch>
@@ -3815,7 +3942,7 @@
           <p:nvPr/>
         </p:nvPicPr>
         <p:blipFill>
-          <a:blip r:embed="rId9" cstate="print"/>
+          <a:blip r:embed="rId10" cstate="print"/>
           <a:stretch>
             <a:fillRect/>
           </a:stretch>
@@ -3851,7 +3978,7 @@
             <p:nvPr/>
           </p:nvPicPr>
           <p:blipFill>
-            <a:blip r:embed="rId10" cstate="print"/>
+            <a:blip r:embed="rId11" cstate="print"/>
             <a:stretch>
               <a:fillRect/>
             </a:stretch>
@@ -3873,7 +4000,7 @@
             <p:nvPr/>
           </p:nvPicPr>
           <p:blipFill>
-            <a:blip r:embed="rId11" cstate="print"/>
+            <a:blip r:embed="rId12" cstate="print"/>
             <a:stretch>
               <a:fillRect/>
             </a:stretch>
@@ -3896,7 +4023,7 @@
           <p:nvPr/>
         </p:nvPicPr>
         <p:blipFill>
-          <a:blip r:embed="rId12" cstate="print"/>
+          <a:blip r:embed="rId13" cstate="print"/>
           <a:stretch>
             <a:fillRect/>
           </a:stretch>
@@ -3918,7 +4045,7 @@
           <p:nvPr/>
         </p:nvPicPr>
         <p:blipFill>
-          <a:blip r:embed="rId8" cstate="print"/>
+          <a:blip r:embed="rId9" cstate="print"/>
           <a:stretch>
             <a:fillRect/>
           </a:stretch>
@@ -3940,7 +4067,7 @@
           <p:nvPr/>
         </p:nvPicPr>
         <p:blipFill>
-          <a:blip r:embed="rId9" cstate="print"/>
+          <a:blip r:embed="rId10" cstate="print"/>
           <a:stretch>
             <a:fillRect/>
           </a:stretch>
@@ -3962,7 +4089,7 @@
           <p:nvPr/>
         </p:nvPicPr>
         <p:blipFill>
-          <a:blip r:embed="rId13" cstate="print"/>
+          <a:blip r:embed="rId14" cstate="print"/>
           <a:stretch>
             <a:fillRect/>
           </a:stretch>
@@ -3984,7 +4111,7 @@
           <p:nvPr/>
         </p:nvPicPr>
         <p:blipFill>
-          <a:blip r:embed="rId14" cstate="print"/>
+          <a:blip r:embed="rId15" cstate="print"/>
           <a:stretch>
             <a:fillRect/>
           </a:stretch>
@@ -4006,7 +4133,7 @@
           <p:nvPr/>
         </p:nvPicPr>
         <p:blipFill>
-          <a:blip r:embed="rId7" cstate="print"/>
+          <a:blip r:embed="rId8" cstate="print"/>
           <a:stretch>
             <a:fillRect/>
           </a:stretch>
@@ -4028,7 +4155,7 @@
           <p:nvPr/>
         </p:nvPicPr>
         <p:blipFill>
-          <a:blip r:embed="rId15" cstate="print"/>
+          <a:blip r:embed="rId16" cstate="print"/>
           <a:stretch>
             <a:fillRect/>
           </a:stretch>
@@ -4050,7 +4177,7 @@
           <p:nvPr/>
         </p:nvPicPr>
         <p:blipFill>
-          <a:blip r:embed="rId16" cstate="print"/>
+          <a:blip r:embed="rId17" cstate="print"/>
           <a:stretch>
             <a:fillRect/>
           </a:stretch>
@@ -4072,7 +4199,7 @@
           <p:nvPr/>
         </p:nvPicPr>
         <p:blipFill>
-          <a:blip r:embed="rId17" cstate="print"/>
+          <a:blip r:embed="rId18" cstate="print"/>
           <a:stretch>
             <a:fillRect/>
           </a:stretch>
@@ -4108,7 +4235,7 @@
             <p:nvPr/>
           </p:nvPicPr>
           <p:blipFill>
-            <a:blip r:embed="rId18" cstate="print"/>
+            <a:blip r:embed="rId19" cstate="print"/>
             <a:stretch>
               <a:fillRect/>
             </a:stretch>
@@ -4130,7 +4257,7 @@
             <p:nvPr/>
           </p:nvPicPr>
           <p:blipFill>
-            <a:blip r:embed="rId19" cstate="print"/>
+            <a:blip r:embed="rId20" cstate="print"/>
             <a:stretch>
               <a:fillRect/>
             </a:stretch>
@@ -4153,7 +4280,7 @@
           <p:nvPr/>
         </p:nvPicPr>
         <p:blipFill>
-          <a:blip r:embed="rId20" cstate="print"/>
+          <a:blip r:embed="rId21" cstate="print"/>
           <a:stretch>
             <a:fillRect/>
           </a:stretch>
@@ -4175,7 +4302,7 @@
           <p:nvPr/>
         </p:nvPicPr>
         <p:blipFill>
-          <a:blip r:embed="rId15" cstate="print"/>
+          <a:blip r:embed="rId16" cstate="print"/>
           <a:stretch>
             <a:fillRect/>
           </a:stretch>
@@ -4197,7 +4324,7 @@
           <p:nvPr/>
         </p:nvPicPr>
         <p:blipFill>
-          <a:blip r:embed="rId16" cstate="print"/>
+          <a:blip r:embed="rId17" cstate="print"/>
           <a:stretch>
             <a:fillRect/>
           </a:stretch>
@@ -4219,7 +4346,7 @@
           <p:nvPr/>
         </p:nvPicPr>
         <p:blipFill>
-          <a:blip r:embed="rId21" cstate="print"/>
+          <a:blip r:embed="rId22" cstate="print"/>
           <a:stretch>
             <a:fillRect/>
           </a:stretch>
@@ -4241,7 +4368,7 @@
           <p:nvPr/>
         </p:nvPicPr>
         <p:blipFill>
-          <a:blip r:embed="rId22" cstate="print"/>
+          <a:blip r:embed="rId23" cstate="print"/>
           <a:stretch>
             <a:fillRect/>
           </a:stretch>
@@ -4263,7 +4390,7 @@
           <p:nvPr/>
         </p:nvPicPr>
         <p:blipFill>
-          <a:blip r:embed="rId23" cstate="print"/>
+          <a:blip r:embed="rId24" cstate="print"/>
           <a:stretch>
             <a:fillRect/>
           </a:stretch>
@@ -4285,7 +4412,7 @@
           <p:nvPr/>
         </p:nvPicPr>
         <p:blipFill>
-          <a:blip r:embed="rId24" cstate="print"/>
+          <a:blip r:embed="rId25" cstate="print"/>
           <a:stretch>
             <a:fillRect/>
           </a:stretch>
@@ -4307,7 +4434,7 @@
           <p:nvPr/>
         </p:nvPicPr>
         <p:blipFill>
-          <a:blip r:embed="rId25" cstate="print"/>
+          <a:blip r:embed="rId26" cstate="print"/>
           <a:stretch>
             <a:fillRect/>
           </a:stretch>
@@ -4329,7 +4456,7 @@
           <p:nvPr/>
         </p:nvPicPr>
         <p:blipFill>
-          <a:blip r:embed="rId26" cstate="print"/>
+          <a:blip r:embed="rId27" cstate="print"/>
           <a:stretch>
             <a:fillRect/>
           </a:stretch>
@@ -4357,9 +4484,11 @@
         <p:spPr/>
         <p:txBody>
           <a:bodyPr/>
+          <a:lstStyle/>
           <a:p>
             <a:fld id="{B6F15528-21DE-4FAA-801E-634DDDAF4B2B}" type="slidenum">
               <a:rPr/>
+              <a:t>10</a:t>
             </a:fld>
             <a:endParaRPr/>
           </a:p>
@@ -4397,7 +4526,7 @@
           <p:nvPr/>
         </p:nvPicPr>
         <p:blipFill>
-          <a:blip r:embed="rId1" cstate="print"/>
+          <a:blip r:embed="rId2" cstate="print"/>
           <a:stretch>
             <a:fillRect/>
           </a:stretch>
@@ -4422,7 +4551,7 @@
         </p:nvGraphicFramePr>
         <p:xfrm>
           <a:off x="2241169" y="1637538"/>
-          <a:ext cx="7716520" cy="927100"/>
+          <a:ext cx="7696834" cy="914400"/>
         </p:xfrm>
         <a:graphic>
           <a:graphicData uri="http://schemas.openxmlformats.org/drawingml/2006/table">
@@ -4431,8 +4560,20 @@
                 <a:tableStyleId>{2D5ABB26-0587-4C30-8999-92F81FD0307C}</a:tableStyleId>
               </a:tblPr>
               <a:tblGrid>
-                <a:gridCol w="1581150"/>
-                <a:gridCol w="6115684"/>
+                <a:gridCol w="1581150">
+                  <a:extLst>
+                    <a:ext uri="{9D8B030D-6E8A-4147-A177-3AD203B41FA5}">
+                      <a16:colId xmlns:a16="http://schemas.microsoft.com/office/drawing/2014/main" val="20000"/>
+                    </a:ext>
+                  </a:extLst>
+                </a:gridCol>
+                <a:gridCol w="6115684">
+                  <a:extLst>
+                    <a:ext uri="{9D8B030D-6E8A-4147-A177-3AD203B41FA5}">
+                      <a16:colId xmlns:a16="http://schemas.microsoft.com/office/drawing/2014/main" val="20001"/>
+                    </a:ext>
+                  </a:extLst>
+                </a:gridCol>
               </a:tblGrid>
               <a:tr h="457200">
                 <a:tc>
@@ -4527,6 +4668,11 @@
                     </a:solidFill>
                   </a:tcPr>
                 </a:tc>
+                <a:extLst>
+                  <a:ext uri="{0D108BD9-81ED-4DB2-BD59-A6C34878D82A}">
+                    <a16:rowId xmlns:a16="http://schemas.microsoft.com/office/drawing/2014/main" val="10000"/>
+                  </a:ext>
+                </a:extLst>
               </a:tr>
               <a:tr h="457200">
                 <a:tc>
@@ -4621,6 +4767,11 @@
                     </a:solidFill>
                   </a:tcPr>
                 </a:tc>
+                <a:extLst>
+                  <a:ext uri="{0D108BD9-81ED-4DB2-BD59-A6C34878D82A}">
+                    <a16:rowId xmlns:a16="http://schemas.microsoft.com/office/drawing/2014/main" val="10001"/>
+                  </a:ext>
+                </a:extLst>
               </a:tr>
             </a:tbl>
           </a:graphicData>
@@ -4633,7 +4784,7 @@
           <p:nvPr/>
         </p:nvPicPr>
         <p:blipFill>
-          <a:blip r:embed="rId2" cstate="print"/>
+          <a:blip r:embed="rId3" cstate="print"/>
           <a:stretch>
             <a:fillRect/>
           </a:stretch>
@@ -4655,7 +4806,7 @@
           <p:nvPr/>
         </p:nvPicPr>
         <p:blipFill>
-          <a:blip r:embed="rId3" cstate="print"/>
+          <a:blip r:embed="rId4" cstate="print"/>
           <a:stretch>
             <a:fillRect/>
           </a:stretch>
@@ -4677,7 +4828,7 @@
           <p:nvPr/>
         </p:nvPicPr>
         <p:blipFill>
-          <a:blip r:embed="rId4" cstate="print"/>
+          <a:blip r:embed="rId5" cstate="print"/>
           <a:stretch>
             <a:fillRect/>
           </a:stretch>
@@ -4699,7 +4850,7 @@
           <p:nvPr/>
         </p:nvPicPr>
         <p:blipFill>
-          <a:blip r:embed="rId5" cstate="print"/>
+          <a:blip r:embed="rId6" cstate="print"/>
           <a:stretch>
             <a:fillRect/>
           </a:stretch>
@@ -4727,9 +4878,11 @@
         <p:spPr/>
         <p:txBody>
           <a:bodyPr/>
+          <a:lstStyle/>
           <a:p>
             <a:fld id="{B6F15528-21DE-4FAA-801E-634DDDAF4B2B}" type="slidenum">
               <a:rPr/>
+              <a:t>11</a:t>
             </a:fld>
             <a:endParaRPr/>
           </a:p>
@@ -5510,7 +5663,7 @@
           <p:nvPr/>
         </p:nvPicPr>
         <p:blipFill>
-          <a:blip r:embed="rId1" cstate="print"/>
+          <a:blip r:embed="rId2" cstate="print"/>
           <a:stretch>
             <a:fillRect/>
           </a:stretch>
@@ -5532,7 +5685,7 @@
           <p:nvPr/>
         </p:nvPicPr>
         <p:blipFill>
-          <a:blip r:embed="rId2" cstate="print"/>
+          <a:blip r:embed="rId3" cstate="print"/>
           <a:stretch>
             <a:fillRect/>
           </a:stretch>
@@ -5560,9 +5713,11 @@
         <p:spPr/>
         <p:txBody>
           <a:bodyPr/>
+          <a:lstStyle/>
           <a:p>
             <a:fld id="{B6F15528-21DE-4FAA-801E-634DDDAF4B2B}" type="slidenum">
               <a:rPr/>
+              <a:t>12</a:t>
             </a:fld>
             <a:endParaRPr/>
           </a:p>
@@ -5600,7 +5755,7 @@
           <p:nvPr/>
         </p:nvPicPr>
         <p:blipFill>
-          <a:blip r:embed="rId1" cstate="print"/>
+          <a:blip r:embed="rId2" cstate="print"/>
           <a:stretch>
             <a:fillRect/>
           </a:stretch>
@@ -5625,7 +5780,7 @@
         </p:nvGraphicFramePr>
         <p:xfrm>
           <a:off x="2241169" y="1637538"/>
-          <a:ext cx="7716520" cy="1841500"/>
+          <a:ext cx="7696834" cy="1828800"/>
         </p:xfrm>
         <a:graphic>
           <a:graphicData uri="http://schemas.openxmlformats.org/drawingml/2006/table">
@@ -5634,8 +5789,20 @@
                 <a:tableStyleId>{2D5ABB26-0587-4C30-8999-92F81FD0307C}</a:tableStyleId>
               </a:tblPr>
               <a:tblGrid>
-                <a:gridCol w="1581150"/>
-                <a:gridCol w="6115684"/>
+                <a:gridCol w="1581150">
+                  <a:extLst>
+                    <a:ext uri="{9D8B030D-6E8A-4147-A177-3AD203B41FA5}">
+                      <a16:colId xmlns:a16="http://schemas.microsoft.com/office/drawing/2014/main" val="20000"/>
+                    </a:ext>
+                  </a:extLst>
+                </a:gridCol>
+                <a:gridCol w="6115684">
+                  <a:extLst>
+                    <a:ext uri="{9D8B030D-6E8A-4147-A177-3AD203B41FA5}">
+                      <a16:colId xmlns:a16="http://schemas.microsoft.com/office/drawing/2014/main" val="20001"/>
+                    </a:ext>
+                  </a:extLst>
+                </a:gridCol>
               </a:tblGrid>
               <a:tr h="457200">
                 <a:tc>
@@ -5730,6 +5897,11 @@
                     </a:solidFill>
                   </a:tcPr>
                 </a:tc>
+                <a:extLst>
+                  <a:ext uri="{0D108BD9-81ED-4DB2-BD59-A6C34878D82A}">
+                    <a16:rowId xmlns:a16="http://schemas.microsoft.com/office/drawing/2014/main" val="10000"/>
+                  </a:ext>
+                </a:extLst>
               </a:tr>
               <a:tr h="457200">
                 <a:tc>
@@ -5824,6 +5996,11 @@
                     </a:solidFill>
                   </a:tcPr>
                 </a:tc>
+                <a:extLst>
+                  <a:ext uri="{0D108BD9-81ED-4DB2-BD59-A6C34878D82A}">
+                    <a16:rowId xmlns:a16="http://schemas.microsoft.com/office/drawing/2014/main" val="10001"/>
+                  </a:ext>
+                </a:extLst>
               </a:tr>
               <a:tr h="457200">
                 <a:tc>
@@ -5918,6 +6095,11 @@
                     </a:solidFill>
                   </a:tcPr>
                 </a:tc>
+                <a:extLst>
+                  <a:ext uri="{0D108BD9-81ED-4DB2-BD59-A6C34878D82A}">
+                    <a16:rowId xmlns:a16="http://schemas.microsoft.com/office/drawing/2014/main" val="10002"/>
+                  </a:ext>
+                </a:extLst>
               </a:tr>
               <a:tr h="457200">
                 <a:tc>
@@ -6012,6 +6194,11 @@
                     </a:solidFill>
                   </a:tcPr>
                 </a:tc>
+                <a:extLst>
+                  <a:ext uri="{0D108BD9-81ED-4DB2-BD59-A6C34878D82A}">
+                    <a16:rowId xmlns:a16="http://schemas.microsoft.com/office/drawing/2014/main" val="10003"/>
+                  </a:ext>
+                </a:extLst>
               </a:tr>
             </a:tbl>
           </a:graphicData>
@@ -6024,7 +6211,7 @@
           <p:nvPr/>
         </p:nvPicPr>
         <p:blipFill>
-          <a:blip r:embed="rId2" cstate="print"/>
+          <a:blip r:embed="rId3" cstate="print"/>
           <a:stretch>
             <a:fillRect/>
           </a:stretch>
@@ -6046,7 +6233,7 @@
           <p:nvPr/>
         </p:nvPicPr>
         <p:blipFill>
-          <a:blip r:embed="rId3" cstate="print"/>
+          <a:blip r:embed="rId4" cstate="print"/>
           <a:stretch>
             <a:fillRect/>
           </a:stretch>
@@ -6068,7 +6255,7 @@
           <p:nvPr/>
         </p:nvPicPr>
         <p:blipFill>
-          <a:blip r:embed="rId4" cstate="print"/>
+          <a:blip r:embed="rId5" cstate="print"/>
           <a:stretch>
             <a:fillRect/>
           </a:stretch>
@@ -6090,7 +6277,7 @@
           <p:nvPr/>
         </p:nvPicPr>
         <p:blipFill>
-          <a:blip r:embed="rId5" cstate="print"/>
+          <a:blip r:embed="rId6" cstate="print"/>
           <a:stretch>
             <a:fillRect/>
           </a:stretch>
@@ -6112,7 +6299,7 @@
           <p:nvPr/>
         </p:nvPicPr>
         <p:blipFill>
-          <a:blip r:embed="rId6" cstate="print"/>
+          <a:blip r:embed="rId7" cstate="print"/>
           <a:stretch>
             <a:fillRect/>
           </a:stretch>
@@ -6148,7 +6335,7 @@
             <p:nvPr/>
           </p:nvPicPr>
           <p:blipFill>
-            <a:blip r:embed="rId7" cstate="print"/>
+            <a:blip r:embed="rId8" cstate="print"/>
             <a:stretch>
               <a:fillRect/>
             </a:stretch>
@@ -6170,7 +6357,7 @@
             <p:nvPr/>
           </p:nvPicPr>
           <p:blipFill>
-            <a:blip r:embed="rId8" cstate="print"/>
+            <a:blip r:embed="rId9" cstate="print"/>
             <a:stretch>
               <a:fillRect/>
             </a:stretch>
@@ -6192,7 +6379,7 @@
             <p:nvPr/>
           </p:nvPicPr>
           <p:blipFill>
-            <a:blip r:embed="rId9" cstate="print"/>
+            <a:blip r:embed="rId10" cstate="print"/>
             <a:stretch>
               <a:fillRect/>
             </a:stretch>
@@ -6215,7 +6402,7 @@
           <p:nvPr/>
         </p:nvPicPr>
         <p:blipFill>
-          <a:blip r:embed="rId8" cstate="print"/>
+          <a:blip r:embed="rId9" cstate="print"/>
           <a:stretch>
             <a:fillRect/>
           </a:stretch>
@@ -6237,7 +6424,7 @@
           <p:nvPr/>
         </p:nvPicPr>
         <p:blipFill>
-          <a:blip r:embed="rId10" cstate="print"/>
+          <a:blip r:embed="rId11" cstate="print"/>
           <a:stretch>
             <a:fillRect/>
           </a:stretch>
@@ -6265,9 +6452,11 @@
         <p:spPr/>
         <p:txBody>
           <a:bodyPr/>
+          <a:lstStyle/>
           <a:p>
             <a:fld id="{B6F15528-21DE-4FAA-801E-634DDDAF4B2B}" type="slidenum">
               <a:rPr/>
+              <a:t>13</a:t>
             </a:fld>
             <a:endParaRPr/>
           </a:p>
@@ -6557,17 +6746,27 @@
                 <a:latin typeface="Courier New" panose="02070309020205020404"/>
                 <a:cs typeface="Courier New" panose="02070309020205020404"/>
               </a:rPr>
-              <a:t> </a:t>
-            </a:r>
-            <a:r>
-              <a:rPr sz="2000" spc="-5" dirty="0">
+              <a:t> 48</a:t>
+            </a:r>
+            <a:r>
+              <a:rPr sz="2000" dirty="0">
                 <a:solidFill>
                   <a:srgbClr val="2F2F2F"/>
                 </a:solidFill>
                 <a:latin typeface="Courier New" panose="02070309020205020404"/>
                 <a:cs typeface="Courier New" panose="02070309020205020404"/>
               </a:rPr>
-              <a:t>48</a:t>
+              <a:t>1</a:t>
+            </a:r>
+            <a:r>
+              <a:rPr sz="2000" spc="-5" dirty="0">
+                <a:solidFill>
+                  <a:srgbClr val="2F2F2F"/>
+                </a:solidFill>
+                <a:latin typeface="Courier New" panose="02070309020205020404"/>
+                <a:cs typeface="Courier New" panose="02070309020205020404"/>
+              </a:rPr>
+              <a:t> Z</a:t>
             </a:r>
             <a:r>
               <a:rPr sz="2000" dirty="0">
@@ -6577,47 +6776,7 @@
                 <a:latin typeface="Courier New" panose="02070309020205020404"/>
                 <a:cs typeface="Courier New" panose="02070309020205020404"/>
               </a:rPr>
-              <a:t>1</a:t>
-            </a:r>
-            <a:r>
-              <a:rPr sz="2000" spc="-5" dirty="0">
-                <a:solidFill>
-                  <a:srgbClr val="2F2F2F"/>
-                </a:solidFill>
-                <a:latin typeface="Courier New" panose="02070309020205020404"/>
-                <a:cs typeface="Courier New" panose="02070309020205020404"/>
-              </a:rPr>
-              <a:t> </a:t>
-            </a:r>
-            <a:r>
-              <a:rPr sz="2000" spc="-5" dirty="0">
-                <a:solidFill>
-                  <a:srgbClr val="2F2F2F"/>
-                </a:solidFill>
-                <a:latin typeface="Courier New" panose="02070309020205020404"/>
-                <a:cs typeface="Courier New" panose="02070309020205020404"/>
-              </a:rPr>
-              <a:t>Z</a:t>
-            </a:r>
-            <a:r>
-              <a:rPr sz="2000" dirty="0">
-                <a:solidFill>
-                  <a:srgbClr val="2F2F2F"/>
-                </a:solidFill>
-                <a:latin typeface="Courier New" panose="02070309020205020404"/>
-                <a:cs typeface="Courier New" panose="02070309020205020404"/>
-              </a:rPr>
-              <a:t>:</a:t>
-            </a:r>
-            <a:r>
-              <a:rPr sz="2000" dirty="0">
-                <a:solidFill>
-                  <a:srgbClr val="2F2F2F"/>
-                </a:solidFill>
-                <a:latin typeface="Courier New" panose="02070309020205020404"/>
-                <a:cs typeface="Courier New" panose="02070309020205020404"/>
-              </a:rPr>
-              <a:t>	</a:t>
+              <a:t>:	</a:t>
             </a:r>
             <a:r>
               <a:rPr sz="2000" spc="-5" dirty="0">
@@ -7502,7 +7661,7 @@
             <p:nvPr/>
           </p:nvPicPr>
           <p:blipFill>
-            <a:blip r:embed="rId1" cstate="print"/>
+            <a:blip r:embed="rId2" cstate="print"/>
             <a:stretch>
               <a:fillRect/>
             </a:stretch>
@@ -7524,7 +7683,7 @@
             <p:nvPr/>
           </p:nvPicPr>
           <p:blipFill>
-            <a:blip r:embed="rId2" cstate="print"/>
+            <a:blip r:embed="rId3" cstate="print"/>
             <a:stretch>
               <a:fillRect/>
             </a:stretch>
@@ -7547,7 +7706,7 @@
           <p:nvPr/>
         </p:nvPicPr>
         <p:blipFill>
-          <a:blip r:embed="rId3" cstate="print"/>
+          <a:blip r:embed="rId4" cstate="print"/>
           <a:stretch>
             <a:fillRect/>
           </a:stretch>
@@ -7575,9 +7734,11 @@
         <p:spPr/>
         <p:txBody>
           <a:bodyPr/>
+          <a:lstStyle/>
           <a:p>
             <a:fld id="{B6F15528-21DE-4FAA-801E-634DDDAF4B2B}" type="slidenum">
               <a:rPr/>
+              <a:t>14</a:t>
             </a:fld>
             <a:endParaRPr/>
           </a:p>
@@ -7823,7 +7984,7 @@
         </p:nvGraphicFramePr>
         <p:xfrm>
           <a:off x="571754" y="3785883"/>
-          <a:ext cx="10274297" cy="2470150"/>
+          <a:ext cx="10274297" cy="2469915"/>
         </p:xfrm>
         <a:graphic>
           <a:graphicData uri="http://schemas.openxmlformats.org/drawingml/2006/table">
@@ -7832,14 +7993,62 @@
                 <a:tableStyleId>{2D5ABB26-0587-4C30-8999-92F81FD0307C}</a:tableStyleId>
               </a:tblPr>
               <a:tblGrid>
-                <a:gridCol w="412750"/>
-                <a:gridCol w="305434"/>
-                <a:gridCol w="3354070"/>
-                <a:gridCol w="1371600"/>
-                <a:gridCol w="457200"/>
-                <a:gridCol w="1446530"/>
-                <a:gridCol w="1903729"/>
-                <a:gridCol w="1022984"/>
+                <a:gridCol w="412750">
+                  <a:extLst>
+                    <a:ext uri="{9D8B030D-6E8A-4147-A177-3AD203B41FA5}">
+                      <a16:colId xmlns:a16="http://schemas.microsoft.com/office/drawing/2014/main" val="20000"/>
+                    </a:ext>
+                  </a:extLst>
+                </a:gridCol>
+                <a:gridCol w="305434">
+                  <a:extLst>
+                    <a:ext uri="{9D8B030D-6E8A-4147-A177-3AD203B41FA5}">
+                      <a16:colId xmlns:a16="http://schemas.microsoft.com/office/drawing/2014/main" val="20001"/>
+                    </a:ext>
+                  </a:extLst>
+                </a:gridCol>
+                <a:gridCol w="3354070">
+                  <a:extLst>
+                    <a:ext uri="{9D8B030D-6E8A-4147-A177-3AD203B41FA5}">
+                      <a16:colId xmlns:a16="http://schemas.microsoft.com/office/drawing/2014/main" val="20002"/>
+                    </a:ext>
+                  </a:extLst>
+                </a:gridCol>
+                <a:gridCol w="1371600">
+                  <a:extLst>
+                    <a:ext uri="{9D8B030D-6E8A-4147-A177-3AD203B41FA5}">
+                      <a16:colId xmlns:a16="http://schemas.microsoft.com/office/drawing/2014/main" val="20003"/>
+                    </a:ext>
+                  </a:extLst>
+                </a:gridCol>
+                <a:gridCol w="457200">
+                  <a:extLst>
+                    <a:ext uri="{9D8B030D-6E8A-4147-A177-3AD203B41FA5}">
+                      <a16:colId xmlns:a16="http://schemas.microsoft.com/office/drawing/2014/main" val="20004"/>
+                    </a:ext>
+                  </a:extLst>
+                </a:gridCol>
+                <a:gridCol w="1446530">
+                  <a:extLst>
+                    <a:ext uri="{9D8B030D-6E8A-4147-A177-3AD203B41FA5}">
+                      <a16:colId xmlns:a16="http://schemas.microsoft.com/office/drawing/2014/main" val="20005"/>
+                    </a:ext>
+                  </a:extLst>
+                </a:gridCol>
+                <a:gridCol w="1903729">
+                  <a:extLst>
+                    <a:ext uri="{9D8B030D-6E8A-4147-A177-3AD203B41FA5}">
+                      <a16:colId xmlns:a16="http://schemas.microsoft.com/office/drawing/2014/main" val="20006"/>
+                    </a:ext>
+                  </a:extLst>
+                </a:gridCol>
+                <a:gridCol w="1022984">
+                  <a:extLst>
+                    <a:ext uri="{9D8B030D-6E8A-4147-A177-3AD203B41FA5}">
+                      <a16:colId xmlns:a16="http://schemas.microsoft.com/office/drawing/2014/main" val="20007"/>
+                    </a:ext>
+                  </a:extLst>
+                </a:gridCol>
               </a:tblGrid>
               <a:tr h="434368">
                 <a:tc>
@@ -8212,6 +8421,11 @@
                     </a:solidFill>
                   </a:tcPr>
                 </a:tc>
+                <a:extLst>
+                  <a:ext uri="{0D108BD9-81ED-4DB2-BD59-A6C34878D82A}">
+                    <a16:rowId xmlns:a16="http://schemas.microsoft.com/office/drawing/2014/main" val="10000"/>
+                  </a:ext>
+                </a:extLst>
               </a:tr>
               <a:tr h="800319">
                 <a:tc>
@@ -8584,6 +8798,11 @@
                     </a:solidFill>
                   </a:tcPr>
                 </a:tc>
+                <a:extLst>
+                  <a:ext uri="{0D108BD9-81ED-4DB2-BD59-A6C34878D82A}">
+                    <a16:rowId xmlns:a16="http://schemas.microsoft.com/office/drawing/2014/main" val="10001"/>
+                  </a:ext>
+                </a:extLst>
               </a:tr>
               <a:tr h="800589">
                 <a:tc>
@@ -9044,6 +9263,11 @@
                     </a:solidFill>
                   </a:tcPr>
                 </a:tc>
+                <a:extLst>
+                  <a:ext uri="{0D108BD9-81ED-4DB2-BD59-A6C34878D82A}">
+                    <a16:rowId xmlns:a16="http://schemas.microsoft.com/office/drawing/2014/main" val="10002"/>
+                  </a:ext>
+                </a:extLst>
               </a:tr>
               <a:tr h="434639">
                 <a:tc>
@@ -9416,6 +9640,11 @@
                     </a:solidFill>
                   </a:tcPr>
                 </a:tc>
+                <a:extLst>
+                  <a:ext uri="{0D108BD9-81ED-4DB2-BD59-A6C34878D82A}">
+                    <a16:rowId xmlns:a16="http://schemas.microsoft.com/office/drawing/2014/main" val="10003"/>
+                  </a:ext>
+                </a:extLst>
               </a:tr>
             </a:tbl>
           </a:graphicData>
@@ -9442,7 +9671,7 @@
             <p:nvPr/>
           </p:nvPicPr>
           <p:blipFill>
-            <a:blip r:embed="rId1" cstate="print"/>
+            <a:blip r:embed="rId2" cstate="print"/>
             <a:stretch>
               <a:fillRect/>
             </a:stretch>
@@ -9464,7 +9693,7 @@
             <p:nvPr/>
           </p:nvPicPr>
           <p:blipFill>
-            <a:blip r:embed="rId2" cstate="print"/>
+            <a:blip r:embed="rId3" cstate="print"/>
             <a:stretch>
               <a:fillRect/>
             </a:stretch>
@@ -9487,7 +9716,7 @@
           <p:nvPr/>
         </p:nvPicPr>
         <p:blipFill>
-          <a:blip r:embed="rId3" cstate="print"/>
+          <a:blip r:embed="rId4" cstate="print"/>
           <a:stretch>
             <a:fillRect/>
           </a:stretch>
@@ -9515,9 +9744,11 @@
         <p:spPr/>
         <p:txBody>
           <a:bodyPr/>
+          <a:lstStyle/>
           <a:p>
             <a:fld id="{B6F15528-21DE-4FAA-801E-634DDDAF4B2B}" type="slidenum">
               <a:rPr/>
+              <a:t>15</a:t>
             </a:fld>
             <a:endParaRPr/>
           </a:p>
@@ -9555,7 +9786,7 @@
           <p:nvPr/>
         </p:nvPicPr>
         <p:blipFill>
-          <a:blip r:embed="rId1" cstate="print"/>
+          <a:blip r:embed="rId2" cstate="print"/>
           <a:stretch>
             <a:fillRect/>
           </a:stretch>
@@ -9580,7 +9811,7 @@
         </p:nvGraphicFramePr>
         <p:xfrm>
           <a:off x="2241169" y="1637538"/>
-          <a:ext cx="7716520" cy="2298700"/>
+          <a:ext cx="7696834" cy="2286000"/>
         </p:xfrm>
         <a:graphic>
           <a:graphicData uri="http://schemas.openxmlformats.org/drawingml/2006/table">
@@ -9589,8 +9820,20 @@
                 <a:tableStyleId>{2D5ABB26-0587-4C30-8999-92F81FD0307C}</a:tableStyleId>
               </a:tblPr>
               <a:tblGrid>
-                <a:gridCol w="1581150"/>
-                <a:gridCol w="6115684"/>
+                <a:gridCol w="1581150">
+                  <a:extLst>
+                    <a:ext uri="{9D8B030D-6E8A-4147-A177-3AD203B41FA5}">
+                      <a16:colId xmlns:a16="http://schemas.microsoft.com/office/drawing/2014/main" val="20000"/>
+                    </a:ext>
+                  </a:extLst>
+                </a:gridCol>
+                <a:gridCol w="6115684">
+                  <a:extLst>
+                    <a:ext uri="{9D8B030D-6E8A-4147-A177-3AD203B41FA5}">
+                      <a16:colId xmlns:a16="http://schemas.microsoft.com/office/drawing/2014/main" val="20001"/>
+                    </a:ext>
+                  </a:extLst>
+                </a:gridCol>
               </a:tblGrid>
               <a:tr h="457200">
                 <a:tc>
@@ -9685,6 +9928,11 @@
                     </a:solidFill>
                   </a:tcPr>
                 </a:tc>
+                <a:extLst>
+                  <a:ext uri="{0D108BD9-81ED-4DB2-BD59-A6C34878D82A}">
+                    <a16:rowId xmlns:a16="http://schemas.microsoft.com/office/drawing/2014/main" val="10000"/>
+                  </a:ext>
+                </a:extLst>
               </a:tr>
               <a:tr h="457200">
                 <a:tc>
@@ -9779,6 +10027,11 @@
                     </a:solidFill>
                   </a:tcPr>
                 </a:tc>
+                <a:extLst>
+                  <a:ext uri="{0D108BD9-81ED-4DB2-BD59-A6C34878D82A}">
+                    <a16:rowId xmlns:a16="http://schemas.microsoft.com/office/drawing/2014/main" val="10001"/>
+                  </a:ext>
+                </a:extLst>
               </a:tr>
               <a:tr h="457200">
                 <a:tc>
@@ -9873,6 +10126,11 @@
                     </a:solidFill>
                   </a:tcPr>
                 </a:tc>
+                <a:extLst>
+                  <a:ext uri="{0D108BD9-81ED-4DB2-BD59-A6C34878D82A}">
+                    <a16:rowId xmlns:a16="http://schemas.microsoft.com/office/drawing/2014/main" val="10002"/>
+                  </a:ext>
+                </a:extLst>
               </a:tr>
               <a:tr h="457200">
                 <a:tc>
@@ -9967,6 +10225,11 @@
                     </a:solidFill>
                   </a:tcPr>
                 </a:tc>
+                <a:extLst>
+                  <a:ext uri="{0D108BD9-81ED-4DB2-BD59-A6C34878D82A}">
+                    <a16:rowId xmlns:a16="http://schemas.microsoft.com/office/drawing/2014/main" val="10003"/>
+                  </a:ext>
+                </a:extLst>
               </a:tr>
               <a:tr h="457200">
                 <a:tc>
@@ -10061,6 +10324,11 @@
                     </a:solidFill>
                   </a:tcPr>
                 </a:tc>
+                <a:extLst>
+                  <a:ext uri="{0D108BD9-81ED-4DB2-BD59-A6C34878D82A}">
+                    <a16:rowId xmlns:a16="http://schemas.microsoft.com/office/drawing/2014/main" val="10004"/>
+                  </a:ext>
+                </a:extLst>
               </a:tr>
             </a:tbl>
           </a:graphicData>
@@ -10073,7 +10341,7 @@
           <p:nvPr/>
         </p:nvPicPr>
         <p:blipFill>
-          <a:blip r:embed="rId2" cstate="print"/>
+          <a:blip r:embed="rId3" cstate="print"/>
           <a:stretch>
             <a:fillRect/>
           </a:stretch>
@@ -10095,7 +10363,7 @@
           <p:nvPr/>
         </p:nvPicPr>
         <p:blipFill>
-          <a:blip r:embed="rId3" cstate="print"/>
+          <a:blip r:embed="rId4" cstate="print"/>
           <a:stretch>
             <a:fillRect/>
           </a:stretch>
@@ -10117,7 +10385,7 @@
           <p:nvPr/>
         </p:nvPicPr>
         <p:blipFill>
-          <a:blip r:embed="rId4" cstate="print"/>
+          <a:blip r:embed="rId5" cstate="print"/>
           <a:stretch>
             <a:fillRect/>
           </a:stretch>
@@ -10139,7 +10407,7 @@
           <p:nvPr/>
         </p:nvPicPr>
         <p:blipFill>
-          <a:blip r:embed="rId5" cstate="print"/>
+          <a:blip r:embed="rId6" cstate="print"/>
           <a:stretch>
             <a:fillRect/>
           </a:stretch>
@@ -10161,7 +10429,7 @@
           <p:nvPr/>
         </p:nvPicPr>
         <p:blipFill>
-          <a:blip r:embed="rId6" cstate="print"/>
+          <a:blip r:embed="rId7" cstate="print"/>
           <a:stretch>
             <a:fillRect/>
           </a:stretch>
@@ -10197,7 +10465,7 @@
             <p:nvPr/>
           </p:nvPicPr>
           <p:blipFill>
-            <a:blip r:embed="rId7" cstate="print"/>
+            <a:blip r:embed="rId8" cstate="print"/>
             <a:stretch>
               <a:fillRect/>
             </a:stretch>
@@ -10219,7 +10487,7 @@
             <p:nvPr/>
           </p:nvPicPr>
           <p:blipFill>
-            <a:blip r:embed="rId8" cstate="print"/>
+            <a:blip r:embed="rId9" cstate="print"/>
             <a:stretch>
               <a:fillRect/>
             </a:stretch>
@@ -10241,7 +10509,7 @@
             <p:nvPr/>
           </p:nvPicPr>
           <p:blipFill>
-            <a:blip r:embed="rId9" cstate="print"/>
+            <a:blip r:embed="rId10" cstate="print"/>
             <a:stretch>
               <a:fillRect/>
             </a:stretch>
@@ -10264,7 +10532,7 @@
           <p:nvPr/>
         </p:nvPicPr>
         <p:blipFill>
-          <a:blip r:embed="rId8" cstate="print"/>
+          <a:blip r:embed="rId9" cstate="print"/>
           <a:stretch>
             <a:fillRect/>
           </a:stretch>
@@ -10286,7 +10554,7 @@
           <p:nvPr/>
         </p:nvPicPr>
         <p:blipFill>
-          <a:blip r:embed="rId10" cstate="print"/>
+          <a:blip r:embed="rId11" cstate="print"/>
           <a:stretch>
             <a:fillRect/>
           </a:stretch>
@@ -10308,7 +10576,7 @@
           <p:nvPr/>
         </p:nvPicPr>
         <p:blipFill>
-          <a:blip r:embed="rId11" cstate="print"/>
+          <a:blip r:embed="rId12" cstate="print"/>
           <a:stretch>
             <a:fillRect/>
           </a:stretch>
@@ -10330,7 +10598,7 @@
           <p:nvPr/>
         </p:nvPicPr>
         <p:blipFill>
-          <a:blip r:embed="rId12" cstate="print"/>
+          <a:blip r:embed="rId13" cstate="print"/>
           <a:stretch>
             <a:fillRect/>
           </a:stretch>
@@ -10358,9 +10626,11 @@
         <p:spPr/>
         <p:txBody>
           <a:bodyPr/>
+          <a:lstStyle/>
           <a:p>
             <a:fld id="{B6F15528-21DE-4FAA-801E-634DDDAF4B2B}" type="slidenum">
               <a:rPr/>
+              <a:t>16</a:t>
             </a:fld>
             <a:endParaRPr/>
           </a:p>
@@ -10436,7 +10706,9 @@
         <p:txBody>
           <a:bodyPr wrap="square" lIns="0" tIns="0" rIns="0" bIns="0" rtlCol="0"/>
           <a:lstStyle/>
-          <a:p/>
+          <a:p>
+            <a:endParaRPr/>
+          </a:p>
         </p:txBody>
       </p:sp>
       <p:grpSp>
@@ -10460,7 +10732,7 @@
             <p:nvPr/>
           </p:nvPicPr>
           <p:blipFill>
-            <a:blip r:embed="rId1" cstate="print"/>
+            <a:blip r:embed="rId2" cstate="print"/>
             <a:stretch>
               <a:fillRect/>
             </a:stretch>
@@ -10520,7 +10792,9 @@
           <p:txBody>
             <a:bodyPr wrap="square" lIns="0" tIns="0" rIns="0" bIns="0" rtlCol="0"/>
             <a:lstStyle/>
-            <a:p/>
+            <a:p>
+              <a:endParaRPr/>
+            </a:p>
           </p:txBody>
         </p:sp>
         <p:sp>
@@ -10580,7 +10854,9 @@
           <p:txBody>
             <a:bodyPr wrap="square" lIns="0" tIns="0" rIns="0" bIns="0" rtlCol="0"/>
             <a:lstStyle/>
-            <a:p/>
+            <a:p>
+              <a:endParaRPr/>
+            </a:p>
           </p:txBody>
         </p:sp>
       </p:grpSp>
@@ -11255,7 +11531,7 @@
           <p:nvPr/>
         </p:nvPicPr>
         <p:blipFill>
-          <a:blip r:embed="rId2" cstate="print"/>
+          <a:blip r:embed="rId3" cstate="print"/>
           <a:stretch>
             <a:fillRect/>
           </a:stretch>
@@ -11277,7 +11553,7 @@
           <p:nvPr/>
         </p:nvPicPr>
         <p:blipFill>
-          <a:blip r:embed="rId3" cstate="print"/>
+          <a:blip r:embed="rId4" cstate="print"/>
           <a:stretch>
             <a:fillRect/>
           </a:stretch>
@@ -11305,9 +11581,11 @@
         <p:spPr/>
         <p:txBody>
           <a:bodyPr/>
+          <a:lstStyle/>
           <a:p>
             <a:fld id="{B6F15528-21DE-4FAA-801E-634DDDAF4B2B}" type="slidenum">
               <a:rPr/>
+              <a:t>17</a:t>
             </a:fld>
             <a:endParaRPr/>
           </a:p>
@@ -11345,7 +11623,7 @@
           <p:nvPr/>
         </p:nvPicPr>
         <p:blipFill>
-          <a:blip r:embed="rId1" cstate="print"/>
+          <a:blip r:embed="rId2" cstate="print"/>
           <a:stretch>
             <a:fillRect/>
           </a:stretch>
@@ -11370,7 +11648,7 @@
         </p:nvGraphicFramePr>
         <p:xfrm>
           <a:off x="2241169" y="1637538"/>
-          <a:ext cx="7716520" cy="3670300"/>
+          <a:ext cx="7696834" cy="3657600"/>
         </p:xfrm>
         <a:graphic>
           <a:graphicData uri="http://schemas.openxmlformats.org/drawingml/2006/table">
@@ -11379,8 +11657,20 @@
                 <a:tableStyleId>{2D5ABB26-0587-4C30-8999-92F81FD0307C}</a:tableStyleId>
               </a:tblPr>
               <a:tblGrid>
-                <a:gridCol w="1581150"/>
-                <a:gridCol w="6115684"/>
+                <a:gridCol w="1581150">
+                  <a:extLst>
+                    <a:ext uri="{9D8B030D-6E8A-4147-A177-3AD203B41FA5}">
+                      <a16:colId xmlns:a16="http://schemas.microsoft.com/office/drawing/2014/main" val="20000"/>
+                    </a:ext>
+                  </a:extLst>
+                </a:gridCol>
+                <a:gridCol w="6115684">
+                  <a:extLst>
+                    <a:ext uri="{9D8B030D-6E8A-4147-A177-3AD203B41FA5}">
+                      <a16:colId xmlns:a16="http://schemas.microsoft.com/office/drawing/2014/main" val="20001"/>
+                    </a:ext>
+                  </a:extLst>
+                </a:gridCol>
               </a:tblGrid>
               <a:tr h="457200">
                 <a:tc>
@@ -11475,6 +11765,11 @@
                     </a:solidFill>
                   </a:tcPr>
                 </a:tc>
+                <a:extLst>
+                  <a:ext uri="{0D108BD9-81ED-4DB2-BD59-A6C34878D82A}">
+                    <a16:rowId xmlns:a16="http://schemas.microsoft.com/office/drawing/2014/main" val="10000"/>
+                  </a:ext>
+                </a:extLst>
               </a:tr>
               <a:tr h="457200">
                 <a:tc>
@@ -11569,6 +11864,11 @@
                     </a:solidFill>
                   </a:tcPr>
                 </a:tc>
+                <a:extLst>
+                  <a:ext uri="{0D108BD9-81ED-4DB2-BD59-A6C34878D82A}">
+                    <a16:rowId xmlns:a16="http://schemas.microsoft.com/office/drawing/2014/main" val="10001"/>
+                  </a:ext>
+                </a:extLst>
               </a:tr>
               <a:tr h="457200">
                 <a:tc>
@@ -11663,6 +11963,11 @@
                     </a:solidFill>
                   </a:tcPr>
                 </a:tc>
+                <a:extLst>
+                  <a:ext uri="{0D108BD9-81ED-4DB2-BD59-A6C34878D82A}">
+                    <a16:rowId xmlns:a16="http://schemas.microsoft.com/office/drawing/2014/main" val="10002"/>
+                  </a:ext>
+                </a:extLst>
               </a:tr>
               <a:tr h="457200">
                 <a:tc>
@@ -11757,6 +12062,11 @@
                     </a:solidFill>
                   </a:tcPr>
                 </a:tc>
+                <a:extLst>
+                  <a:ext uri="{0D108BD9-81ED-4DB2-BD59-A6C34878D82A}">
+                    <a16:rowId xmlns:a16="http://schemas.microsoft.com/office/drawing/2014/main" val="10003"/>
+                  </a:ext>
+                </a:extLst>
               </a:tr>
               <a:tr h="457200">
                 <a:tc>
@@ -11851,6 +12161,11 @@
                     </a:solidFill>
                   </a:tcPr>
                 </a:tc>
+                <a:extLst>
+                  <a:ext uri="{0D108BD9-81ED-4DB2-BD59-A6C34878D82A}">
+                    <a16:rowId xmlns:a16="http://schemas.microsoft.com/office/drawing/2014/main" val="10004"/>
+                  </a:ext>
+                </a:extLst>
               </a:tr>
               <a:tr h="457200">
                 <a:tc>
@@ -11945,6 +12260,11 @@
                     </a:solidFill>
                   </a:tcPr>
                 </a:tc>
+                <a:extLst>
+                  <a:ext uri="{0D108BD9-81ED-4DB2-BD59-A6C34878D82A}">
+                    <a16:rowId xmlns:a16="http://schemas.microsoft.com/office/drawing/2014/main" val="10005"/>
+                  </a:ext>
+                </a:extLst>
               </a:tr>
               <a:tr h="457200">
                 <a:tc>
@@ -12039,6 +12359,11 @@
                     </a:solidFill>
                   </a:tcPr>
                 </a:tc>
+                <a:extLst>
+                  <a:ext uri="{0D108BD9-81ED-4DB2-BD59-A6C34878D82A}">
+                    <a16:rowId xmlns:a16="http://schemas.microsoft.com/office/drawing/2014/main" val="10006"/>
+                  </a:ext>
+                </a:extLst>
               </a:tr>
               <a:tr h="457200">
                 <a:tc>
@@ -12133,6 +12458,11 @@
                     </a:solidFill>
                   </a:tcPr>
                 </a:tc>
+                <a:extLst>
+                  <a:ext uri="{0D108BD9-81ED-4DB2-BD59-A6C34878D82A}">
+                    <a16:rowId xmlns:a16="http://schemas.microsoft.com/office/drawing/2014/main" val="10007"/>
+                  </a:ext>
+                </a:extLst>
               </a:tr>
             </a:tbl>
           </a:graphicData>
@@ -12145,7 +12475,7 @@
           <p:nvPr/>
         </p:nvPicPr>
         <p:blipFill>
-          <a:blip r:embed="rId2" cstate="print"/>
+          <a:blip r:embed="rId3" cstate="print"/>
           <a:stretch>
             <a:fillRect/>
           </a:stretch>
@@ -12167,7 +12497,7 @@
           <p:nvPr/>
         </p:nvPicPr>
         <p:blipFill>
-          <a:blip r:embed="rId3" cstate="print"/>
+          <a:blip r:embed="rId4" cstate="print"/>
           <a:stretch>
             <a:fillRect/>
           </a:stretch>
@@ -12189,7 +12519,7 @@
           <p:nvPr/>
         </p:nvPicPr>
         <p:blipFill>
-          <a:blip r:embed="rId4" cstate="print"/>
+          <a:blip r:embed="rId5" cstate="print"/>
           <a:stretch>
             <a:fillRect/>
           </a:stretch>
@@ -12211,7 +12541,7 @@
           <p:nvPr/>
         </p:nvPicPr>
         <p:blipFill>
-          <a:blip r:embed="rId5" cstate="print"/>
+          <a:blip r:embed="rId6" cstate="print"/>
           <a:stretch>
             <a:fillRect/>
           </a:stretch>
@@ -12233,7 +12563,7 @@
           <p:nvPr/>
         </p:nvPicPr>
         <p:blipFill>
-          <a:blip r:embed="rId6" cstate="print"/>
+          <a:blip r:embed="rId7" cstate="print"/>
           <a:stretch>
             <a:fillRect/>
           </a:stretch>
@@ -12269,7 +12599,7 @@
             <p:nvPr/>
           </p:nvPicPr>
           <p:blipFill>
-            <a:blip r:embed="rId7" cstate="print"/>
+            <a:blip r:embed="rId8" cstate="print"/>
             <a:stretch>
               <a:fillRect/>
             </a:stretch>
@@ -12291,7 +12621,7 @@
             <p:nvPr/>
           </p:nvPicPr>
           <p:blipFill>
-            <a:blip r:embed="rId8" cstate="print"/>
+            <a:blip r:embed="rId9" cstate="print"/>
             <a:stretch>
               <a:fillRect/>
             </a:stretch>
@@ -12313,7 +12643,7 @@
             <p:nvPr/>
           </p:nvPicPr>
           <p:blipFill>
-            <a:blip r:embed="rId9" cstate="print"/>
+            <a:blip r:embed="rId10" cstate="print"/>
             <a:stretch>
               <a:fillRect/>
             </a:stretch>
@@ -12336,7 +12666,7 @@
           <p:nvPr/>
         </p:nvPicPr>
         <p:blipFill>
-          <a:blip r:embed="rId8" cstate="print"/>
+          <a:blip r:embed="rId9" cstate="print"/>
           <a:stretch>
             <a:fillRect/>
           </a:stretch>
@@ -12358,7 +12688,7 @@
           <p:nvPr/>
         </p:nvPicPr>
         <p:blipFill>
-          <a:blip r:embed="rId10" cstate="print"/>
+          <a:blip r:embed="rId11" cstate="print"/>
           <a:stretch>
             <a:fillRect/>
           </a:stretch>
@@ -12380,7 +12710,7 @@
           <p:nvPr/>
         </p:nvPicPr>
         <p:blipFill>
-          <a:blip r:embed="rId11" cstate="print"/>
+          <a:blip r:embed="rId12" cstate="print"/>
           <a:stretch>
             <a:fillRect/>
           </a:stretch>
@@ -12402,7 +12732,7 @@
           <p:nvPr/>
         </p:nvPicPr>
         <p:blipFill>
-          <a:blip r:embed="rId12" cstate="print"/>
+          <a:blip r:embed="rId13" cstate="print"/>
           <a:stretch>
             <a:fillRect/>
           </a:stretch>
@@ -12424,7 +12754,7 @@
           <p:nvPr/>
         </p:nvPicPr>
         <p:blipFill>
-          <a:blip r:embed="rId13" cstate="print"/>
+          <a:blip r:embed="rId14" cstate="print"/>
           <a:stretch>
             <a:fillRect/>
           </a:stretch>
@@ -12446,7 +12776,7 @@
           <p:nvPr/>
         </p:nvPicPr>
         <p:blipFill>
-          <a:blip r:embed="rId14" cstate="print"/>
+          <a:blip r:embed="rId15" cstate="print"/>
           <a:stretch>
             <a:fillRect/>
           </a:stretch>
@@ -12468,7 +12798,7 @@
           <p:nvPr/>
         </p:nvPicPr>
         <p:blipFill>
-          <a:blip r:embed="rId15" cstate="print"/>
+          <a:blip r:embed="rId16" cstate="print"/>
           <a:stretch>
             <a:fillRect/>
           </a:stretch>
@@ -12490,7 +12820,7 @@
           <p:nvPr/>
         </p:nvPicPr>
         <p:blipFill>
-          <a:blip r:embed="rId16" cstate="print"/>
+          <a:blip r:embed="rId17" cstate="print"/>
           <a:stretch>
             <a:fillRect/>
           </a:stretch>
@@ -12512,7 +12842,7 @@
           <p:nvPr/>
         </p:nvPicPr>
         <p:blipFill>
-          <a:blip r:embed="rId17" cstate="print"/>
+          <a:blip r:embed="rId18" cstate="print"/>
           <a:stretch>
             <a:fillRect/>
           </a:stretch>
@@ -12534,7 +12864,7 @@
           <p:nvPr/>
         </p:nvPicPr>
         <p:blipFill>
-          <a:blip r:embed="rId18" cstate="print"/>
+          <a:blip r:embed="rId19" cstate="print"/>
           <a:stretch>
             <a:fillRect/>
           </a:stretch>
@@ -12562,9 +12892,11 @@
         <p:spPr/>
         <p:txBody>
           <a:bodyPr/>
+          <a:lstStyle/>
           <a:p>
             <a:fld id="{B6F15528-21DE-4FAA-801E-634DDDAF4B2B}" type="slidenum">
               <a:rPr/>
+              <a:t>18</a:t>
             </a:fld>
             <a:endParaRPr/>
           </a:p>
@@ -12640,7 +12972,9 @@
         <p:txBody>
           <a:bodyPr wrap="square" lIns="0" tIns="0" rIns="0" bIns="0" rtlCol="0"/>
           <a:lstStyle/>
-          <a:p/>
+          <a:p>
+            <a:endParaRPr/>
+          </a:p>
         </p:txBody>
       </p:sp>
       <p:pic>
@@ -12650,7 +12984,7 @@
           <p:nvPr/>
         </p:nvPicPr>
         <p:blipFill>
-          <a:blip r:embed="rId1" cstate="print"/>
+          <a:blip r:embed="rId2" cstate="print"/>
           <a:stretch>
             <a:fillRect/>
           </a:stretch>
@@ -12724,7 +13058,9 @@
           <p:txBody>
             <a:bodyPr wrap="square" lIns="0" tIns="0" rIns="0" bIns="0" rtlCol="0"/>
             <a:lstStyle/>
-            <a:p/>
+            <a:p>
+              <a:endParaRPr/>
+            </a:p>
           </p:txBody>
         </p:sp>
         <p:sp>
@@ -12784,7 +13120,9 @@
           <p:txBody>
             <a:bodyPr wrap="square" lIns="0" tIns="0" rIns="0" bIns="0" rtlCol="0"/>
             <a:lstStyle/>
-            <a:p/>
+            <a:p>
+              <a:endParaRPr/>
+            </a:p>
           </p:txBody>
         </p:sp>
       </p:grpSp>
@@ -12849,17 +13187,7 @@
                 <a:latin typeface="Courier New" panose="02070309020205020404"/>
                 <a:cs typeface="Courier New" panose="02070309020205020404"/>
               </a:rPr>
-              <a:t>-</a:t>
-            </a:r>
-            <a:r>
-              <a:rPr sz="2000" spc="-5" dirty="0">
-                <a:solidFill>
-                  <a:srgbClr val="2F2F2F"/>
-                </a:solidFill>
-                <a:latin typeface="Courier New" panose="02070309020205020404"/>
-                <a:cs typeface="Courier New" panose="02070309020205020404"/>
-              </a:rPr>
-              <a:t>456</a:t>
+              <a:t>-456</a:t>
             </a:r>
             <a:endParaRPr sz="2000">
               <a:latin typeface="Courier New" panose="02070309020205020404"/>
@@ -12929,17 +13257,7 @@
                 <a:latin typeface="Courier New" panose="02070309020205020404"/>
                 <a:cs typeface="Courier New" panose="02070309020205020404"/>
               </a:rPr>
-              <a:t>-</a:t>
-            </a:r>
-            <a:r>
-              <a:rPr sz="2000" spc="-5" dirty="0">
-                <a:solidFill>
-                  <a:srgbClr val="2F2F2F"/>
-                </a:solidFill>
-                <a:latin typeface="Courier New" panose="02070309020205020404"/>
-                <a:cs typeface="Courier New" panose="02070309020205020404"/>
-              </a:rPr>
-              <a:t>456</a:t>
+              <a:t>-456</a:t>
             </a:r>
             <a:endParaRPr sz="2000">
               <a:latin typeface="Courier New" panose="02070309020205020404"/>
@@ -13193,7 +13511,7 @@
               </a:rPr>
               <a:t>iPosVal);</a:t>
             </a:r>
-            <a:endParaRPr sz="2000">
+            <a:endParaRPr sz="2000" dirty="0">
               <a:latin typeface="Courier New" panose="02070309020205020404"/>
               <a:cs typeface="Courier New" panose="02070309020205020404"/>
             </a:endParaRPr>
@@ -13297,7 +13615,7 @@
               </a:rPr>
               <a:t>iNegVal);</a:t>
             </a:r>
-            <a:endParaRPr sz="2000">
+            <a:endParaRPr sz="2000" dirty="0">
               <a:latin typeface="Courier New" panose="02070309020205020404"/>
               <a:cs typeface="Courier New" panose="02070309020205020404"/>
             </a:endParaRPr>
@@ -13581,7 +13899,7 @@
           <p:nvPr/>
         </p:nvPicPr>
         <p:blipFill>
-          <a:blip r:embed="rId2" cstate="print"/>
+          <a:blip r:embed="rId3" cstate="print"/>
           <a:stretch>
             <a:fillRect/>
           </a:stretch>
@@ -13617,7 +13935,7 @@
             <p:nvPr/>
           </p:nvPicPr>
           <p:blipFill>
-            <a:blip r:embed="rId3" cstate="print"/>
+            <a:blip r:embed="rId4" cstate="print"/>
             <a:stretch>
               <a:fillRect/>
             </a:stretch>
@@ -13679,7 +13997,9 @@
           <p:txBody>
             <a:bodyPr wrap="square" lIns="0" tIns="0" rIns="0" bIns="0" rtlCol="0"/>
             <a:lstStyle/>
-            <a:p/>
+            <a:p>
+              <a:endParaRPr/>
+            </a:p>
           </p:txBody>
         </p:sp>
         <p:sp>
@@ -13747,7 +14067,9 @@
           <p:txBody>
             <a:bodyPr wrap="square" lIns="0" tIns="0" rIns="0" bIns="0" rtlCol="0"/>
             <a:lstStyle/>
-            <a:p/>
+            <a:p>
+              <a:endParaRPr/>
+            </a:p>
           </p:txBody>
         </p:sp>
       </p:grpSp>
@@ -13798,7 +14120,9 @@
         <p:txBody>
           <a:bodyPr wrap="square" lIns="0" tIns="0" rIns="0" bIns="0" rtlCol="0"/>
           <a:lstStyle/>
-          <a:p/>
+          <a:p>
+            <a:endParaRPr/>
+          </a:p>
         </p:txBody>
       </p:sp>
       <p:sp>
@@ -13814,9 +14138,11 @@
         <p:spPr/>
         <p:txBody>
           <a:bodyPr/>
+          <a:lstStyle/>
           <a:p>
             <a:fld id="{B6F15528-21DE-4FAA-801E-634DDDAF4B2B}" type="slidenum">
               <a:rPr/>
+              <a:t>19</a:t>
             </a:fld>
             <a:endParaRPr/>
           </a:p>
@@ -13868,7 +14194,7 @@
             <p:nvPr/>
           </p:nvPicPr>
           <p:blipFill>
-            <a:blip r:embed="rId1" cstate="print"/>
+            <a:blip r:embed="rId2" cstate="print"/>
             <a:stretch>
               <a:fillRect/>
             </a:stretch>
@@ -13890,7 +14216,7 @@
             <p:nvPr/>
           </p:nvPicPr>
           <p:blipFill>
-            <a:blip r:embed="rId2" cstate="print"/>
+            <a:blip r:embed="rId3" cstate="print"/>
             <a:stretch>
               <a:fillRect/>
             </a:stretch>
@@ -13913,7 +14239,7 @@
           <p:nvPr/>
         </p:nvPicPr>
         <p:blipFill>
-          <a:blip r:embed="rId3" cstate="print"/>
+          <a:blip r:embed="rId4" cstate="print"/>
           <a:stretch>
             <a:fillRect/>
           </a:stretch>
@@ -13935,7 +14261,7 @@
           <p:nvPr/>
         </p:nvPicPr>
         <p:blipFill>
-          <a:blip r:embed="rId4" cstate="print"/>
+          <a:blip r:embed="rId5" cstate="print"/>
           <a:stretch>
             <a:fillRect/>
           </a:stretch>
@@ -13957,7 +14283,7 @@
           <p:nvPr/>
         </p:nvPicPr>
         <p:blipFill>
-          <a:blip r:embed="rId5" cstate="print"/>
+          <a:blip r:embed="rId6" cstate="print"/>
           <a:stretch>
             <a:fillRect/>
           </a:stretch>
@@ -13979,7 +14305,7 @@
           <p:nvPr/>
         </p:nvPicPr>
         <p:blipFill>
-          <a:blip r:embed="rId6" cstate="print"/>
+          <a:blip r:embed="rId7" cstate="print"/>
           <a:stretch>
             <a:fillRect/>
           </a:stretch>
@@ -14001,7 +14327,7 @@
           <p:nvPr/>
         </p:nvPicPr>
         <p:blipFill>
-          <a:blip r:embed="rId7" cstate="print"/>
+          <a:blip r:embed="rId8" cstate="print"/>
           <a:stretch>
             <a:fillRect/>
           </a:stretch>
@@ -14029,9 +14355,11 @@
         <p:spPr/>
         <p:txBody>
           <a:bodyPr/>
+          <a:lstStyle/>
           <a:p>
             <a:fld id="{B6F15528-21DE-4FAA-801E-634DDDAF4B2B}" type="slidenum">
               <a:rPr/>
+              <a:t>2</a:t>
             </a:fld>
             <a:endParaRPr/>
           </a:p>
@@ -14107,7 +14435,9 @@
         <p:txBody>
           <a:bodyPr wrap="square" lIns="0" tIns="0" rIns="0" bIns="0" rtlCol="0"/>
           <a:lstStyle/>
-          <a:p/>
+          <a:p>
+            <a:endParaRPr/>
+          </a:p>
         </p:txBody>
       </p:sp>
       <p:grpSp>
@@ -14131,7 +14461,7 @@
             <p:nvPr/>
           </p:nvPicPr>
           <p:blipFill>
-            <a:blip r:embed="rId1" cstate="print"/>
+            <a:blip r:embed="rId2" cstate="print"/>
             <a:stretch>
               <a:fillRect/>
             </a:stretch>
@@ -14191,7 +14521,9 @@
           <p:txBody>
             <a:bodyPr wrap="square" lIns="0" tIns="0" rIns="0" bIns="0" rtlCol="0"/>
             <a:lstStyle/>
-            <a:p/>
+            <a:p>
+              <a:endParaRPr/>
+            </a:p>
           </p:txBody>
         </p:sp>
         <p:sp>
@@ -14251,7 +14583,9 @@
           <p:txBody>
             <a:bodyPr wrap="square" lIns="0" tIns="0" rIns="0" bIns="0" rtlCol="0"/>
             <a:lstStyle/>
-            <a:p/>
+            <a:p>
+              <a:endParaRPr/>
+            </a:p>
           </p:txBody>
         </p:sp>
       </p:grpSp>
@@ -14316,17 +14650,7 @@
                 <a:latin typeface="Courier New" panose="02070309020205020404"/>
                 <a:cs typeface="Courier New" panose="02070309020205020404"/>
               </a:rPr>
-              <a:t>-</a:t>
-            </a:r>
-            <a:r>
-              <a:rPr sz="2000" spc="-5" dirty="0">
-                <a:solidFill>
-                  <a:srgbClr val="2F2F2F"/>
-                </a:solidFill>
-                <a:latin typeface="Courier New" panose="02070309020205020404"/>
-                <a:cs typeface="Courier New" panose="02070309020205020404"/>
-              </a:rPr>
-              <a:t>456</a:t>
+              <a:t>-456</a:t>
             </a:r>
             <a:endParaRPr sz="2000">
               <a:latin typeface="Courier New" panose="02070309020205020404"/>
@@ -15248,7 +15572,7 @@
           <p:nvPr/>
         </p:nvPicPr>
         <p:blipFill>
-          <a:blip r:embed="rId2" cstate="print"/>
+          <a:blip r:embed="rId3" cstate="print"/>
           <a:stretch>
             <a:fillRect/>
           </a:stretch>
@@ -15284,7 +15608,7 @@
             <p:nvPr/>
           </p:nvPicPr>
           <p:blipFill>
-            <a:blip r:embed="rId3" cstate="print"/>
+            <a:blip r:embed="rId4" cstate="print"/>
             <a:stretch>
               <a:fillRect/>
             </a:stretch>
@@ -15346,7 +15670,9 @@
           <p:txBody>
             <a:bodyPr wrap="square" lIns="0" tIns="0" rIns="0" bIns="0" rtlCol="0"/>
             <a:lstStyle/>
-            <a:p/>
+            <a:p>
+              <a:endParaRPr/>
+            </a:p>
           </p:txBody>
         </p:sp>
         <p:sp>
@@ -15396,7 +15722,9 @@
           <p:txBody>
             <a:bodyPr wrap="square" lIns="0" tIns="0" rIns="0" bIns="0" rtlCol="0"/>
             <a:lstStyle/>
-            <a:p/>
+            <a:p>
+              <a:endParaRPr/>
+            </a:p>
           </p:txBody>
         </p:sp>
       </p:grpSp>
@@ -15413,9 +15741,11 @@
         <p:spPr/>
         <p:txBody>
           <a:bodyPr/>
+          <a:lstStyle/>
           <a:p>
             <a:fld id="{B6F15528-21DE-4FAA-801E-634DDDAF4B2B}" type="slidenum">
               <a:rPr/>
+              <a:t>20</a:t>
             </a:fld>
             <a:endParaRPr/>
           </a:p>
@@ -15453,7 +15783,7 @@
           <p:nvPr/>
         </p:nvPicPr>
         <p:blipFill>
-          <a:blip r:embed="rId1" cstate="print"/>
+          <a:blip r:embed="rId2" cstate="print"/>
           <a:stretch>
             <a:fillRect/>
           </a:stretch>
@@ -15474,11 +15804,17 @@
           <p:cNvGraphicFramePr>
             <a:graphicFrameLocks noGrp="1"/>
           </p:cNvGraphicFramePr>
-          <p:nvPr/>
+          <p:nvPr>
+            <p:extLst>
+              <p:ext uri="{D42A27DB-BD31-4B8C-83A1-F6EECF244321}">
+                <p14:modId xmlns:p14="http://schemas.microsoft.com/office/powerpoint/2010/main" val="3158653886"/>
+              </p:ext>
+            </p:extLst>
+          </p:nvPr>
         </p:nvGraphicFramePr>
         <p:xfrm>
-          <a:off x="1781682" y="1977389"/>
-          <a:ext cx="8635365" cy="2207260"/>
+          <a:off x="1702007" y="1971015"/>
+          <a:ext cx="8615680" cy="2194560"/>
         </p:xfrm>
         <a:graphic>
           <a:graphicData uri="http://schemas.openxmlformats.org/drawingml/2006/table">
@@ -15487,8 +15823,20 @@
                 <a:tableStyleId>{2D5ABB26-0587-4C30-8999-92F81FD0307C}</a:tableStyleId>
               </a:tblPr>
               <a:tblGrid>
-                <a:gridCol w="2310765"/>
-                <a:gridCol w="6304915"/>
+                <a:gridCol w="2310765">
+                  <a:extLst>
+                    <a:ext uri="{9D8B030D-6E8A-4147-A177-3AD203B41FA5}">
+                      <a16:colId xmlns:a16="http://schemas.microsoft.com/office/drawing/2014/main" val="20000"/>
+                    </a:ext>
+                  </a:extLst>
+                </a:gridCol>
+                <a:gridCol w="6304915">
+                  <a:extLst>
+                    <a:ext uri="{9D8B030D-6E8A-4147-A177-3AD203B41FA5}">
+                      <a16:colId xmlns:a16="http://schemas.microsoft.com/office/drawing/2014/main" val="20001"/>
+                    </a:ext>
+                  </a:extLst>
+                </a:gridCol>
               </a:tblGrid>
               <a:tr h="457200">
                 <a:tc>
@@ -15583,6 +15931,11 @@
                     </a:solidFill>
                   </a:tcPr>
                 </a:tc>
+                <a:extLst>
+                  <a:ext uri="{0D108BD9-81ED-4DB2-BD59-A6C34878D82A}">
+                    <a16:rowId xmlns:a16="http://schemas.microsoft.com/office/drawing/2014/main" val="10000"/>
+                  </a:ext>
+                </a:extLst>
               </a:tr>
               <a:tr h="457200">
                 <a:tc>
@@ -15677,6 +16030,11 @@
                     </a:solidFill>
                   </a:tcPr>
                 </a:tc>
+                <a:extLst>
+                  <a:ext uri="{0D108BD9-81ED-4DB2-BD59-A6C34878D82A}">
+                    <a16:rowId xmlns:a16="http://schemas.microsoft.com/office/drawing/2014/main" val="10001"/>
+                  </a:ext>
+                </a:extLst>
               </a:tr>
               <a:tr h="457200">
                 <a:tc>
@@ -15735,7 +16093,7 @@
                           <a:spcPct val="100000"/>
                         </a:lnSpc>
                       </a:pPr>
-                      <a:endParaRPr sz="100">
+                      <a:endParaRPr sz="100" dirty="0">
                         <a:latin typeface="Times New Roman" panose="02020603050405020304"/>
                         <a:cs typeface="Times New Roman" panose="02020603050405020304"/>
                       </a:endParaRPr>
@@ -15771,6 +16129,11 @@
                     </a:solidFill>
                   </a:tcPr>
                 </a:tc>
+                <a:extLst>
+                  <a:ext uri="{0D108BD9-81ED-4DB2-BD59-A6C34878D82A}">
+                    <a16:rowId xmlns:a16="http://schemas.microsoft.com/office/drawing/2014/main" val="10002"/>
+                  </a:ext>
+                </a:extLst>
               </a:tr>
               <a:tr h="822960">
                 <a:tc>
@@ -15829,7 +16192,7 @@
                           <a:spcPct val="100000"/>
                         </a:lnSpc>
                       </a:pPr>
-                      <a:endParaRPr sz="100">
+                      <a:endParaRPr sz="100" dirty="0">
                         <a:latin typeface="Times New Roman" panose="02020603050405020304"/>
                         <a:cs typeface="Times New Roman" panose="02020603050405020304"/>
                       </a:endParaRPr>
@@ -15865,6 +16228,11 @@
                     </a:solidFill>
                   </a:tcPr>
                 </a:tc>
+                <a:extLst>
+                  <a:ext uri="{0D108BD9-81ED-4DB2-BD59-A6C34878D82A}">
+                    <a16:rowId xmlns:a16="http://schemas.microsoft.com/office/drawing/2014/main" val="10003"/>
+                  </a:ext>
+                </a:extLst>
               </a:tr>
             </a:tbl>
           </a:graphicData>
@@ -15877,7 +16245,7 @@
           <p:nvPr/>
         </p:nvPicPr>
         <p:blipFill>
-          <a:blip r:embed="rId2" cstate="print"/>
+          <a:blip r:embed="rId3" cstate="print"/>
           <a:stretch>
             <a:fillRect/>
           </a:stretch>
@@ -15899,7 +16267,7 @@
           <p:nvPr/>
         </p:nvPicPr>
         <p:blipFill>
-          <a:blip r:embed="rId3" cstate="print"/>
+          <a:blip r:embed="rId4" cstate="print"/>
           <a:stretch>
             <a:fillRect/>
           </a:stretch>
@@ -15921,7 +16289,7 @@
           <p:nvPr/>
         </p:nvPicPr>
         <p:blipFill>
-          <a:blip r:embed="rId4" cstate="print"/>
+          <a:blip r:embed="rId5" cstate="print"/>
           <a:stretch>
             <a:fillRect/>
           </a:stretch>
@@ -15943,7 +16311,7 @@
           <p:nvPr/>
         </p:nvPicPr>
         <p:blipFill>
-          <a:blip r:embed="rId5" cstate="print"/>
+          <a:blip r:embed="rId6" cstate="print"/>
           <a:stretch>
             <a:fillRect/>
           </a:stretch>
@@ -15979,7 +16347,7 @@
             <p:nvPr/>
           </p:nvPicPr>
           <p:blipFill>
-            <a:blip r:embed="rId6" cstate="print"/>
+            <a:blip r:embed="rId7" cstate="print"/>
             <a:stretch>
               <a:fillRect/>
             </a:stretch>
@@ -16001,7 +16369,7 @@
             <p:nvPr/>
           </p:nvPicPr>
           <p:blipFill>
-            <a:blip r:embed="rId7" cstate="print"/>
+            <a:blip r:embed="rId8" cstate="print"/>
             <a:stretch>
               <a:fillRect/>
             </a:stretch>
@@ -16038,7 +16406,7 @@
             <p:nvPr/>
           </p:nvPicPr>
           <p:blipFill>
-            <a:blip r:embed="rId8" cstate="print"/>
+            <a:blip r:embed="rId9" cstate="print"/>
             <a:stretch>
               <a:fillRect/>
             </a:stretch>
@@ -16060,7 +16428,7 @@
             <p:nvPr/>
           </p:nvPicPr>
           <p:blipFill>
-            <a:blip r:embed="rId9" cstate="print"/>
+            <a:blip r:embed="rId10" cstate="print"/>
             <a:stretch>
               <a:fillRect/>
             </a:stretch>
@@ -16082,7 +16450,7 @@
             <p:nvPr/>
           </p:nvPicPr>
           <p:blipFill>
-            <a:blip r:embed="rId10" cstate="print"/>
+            <a:blip r:embed="rId11" cstate="print"/>
             <a:stretch>
               <a:fillRect/>
             </a:stretch>
@@ -16105,7 +16473,7 @@
           <p:nvPr/>
         </p:nvPicPr>
         <p:blipFill>
-          <a:blip r:embed="rId11" cstate="print"/>
+          <a:blip r:embed="rId12" cstate="print"/>
           <a:stretch>
             <a:fillRect/>
           </a:stretch>
@@ -16141,7 +16509,7 @@
             <p:nvPr/>
           </p:nvPicPr>
           <p:blipFill>
-            <a:blip r:embed="rId12" cstate="print"/>
+            <a:blip r:embed="rId13" cstate="print"/>
             <a:stretch>
               <a:fillRect/>
             </a:stretch>
@@ -16163,7 +16531,7 @@
             <p:nvPr/>
           </p:nvPicPr>
           <p:blipFill>
-            <a:blip r:embed="rId13" cstate="print"/>
+            <a:blip r:embed="rId14" cstate="print"/>
             <a:stretch>
               <a:fillRect/>
             </a:stretch>
@@ -16192,9 +16560,11 @@
         <p:spPr/>
         <p:txBody>
           <a:bodyPr/>
+          <a:lstStyle/>
           <a:p>
             <a:fld id="{B6F15528-21DE-4FAA-801E-634DDDAF4B2B}" type="slidenum">
               <a:rPr/>
+              <a:t>21</a:t>
             </a:fld>
             <a:endParaRPr/>
           </a:p>
@@ -16270,7 +16640,9 @@
         <p:txBody>
           <a:bodyPr wrap="square" lIns="0" tIns="0" rIns="0" bIns="0" rtlCol="0"/>
           <a:lstStyle/>
-          <a:p/>
+          <a:p>
+            <a:endParaRPr/>
+          </a:p>
         </p:txBody>
       </p:sp>
       <p:grpSp>
@@ -16294,7 +16666,7 @@
             <p:nvPr/>
           </p:nvPicPr>
           <p:blipFill>
-            <a:blip r:embed="rId1" cstate="print"/>
+            <a:blip r:embed="rId2" cstate="print"/>
             <a:stretch>
               <a:fillRect/>
             </a:stretch>
@@ -16354,7 +16726,9 @@
           <p:txBody>
             <a:bodyPr wrap="square" lIns="0" tIns="0" rIns="0" bIns="0" rtlCol="0"/>
             <a:lstStyle/>
-            <a:p/>
+            <a:p>
+              <a:endParaRPr/>
+            </a:p>
           </p:txBody>
         </p:sp>
         <p:sp>
@@ -16414,7 +16788,9 @@
           <p:txBody>
             <a:bodyPr wrap="square" lIns="0" tIns="0" rIns="0" bIns="0" rtlCol="0"/>
             <a:lstStyle/>
-            <a:p/>
+            <a:p>
+              <a:endParaRPr/>
+            </a:p>
           </p:txBody>
         </p:sp>
       </p:grpSp>
@@ -16583,7 +16959,7 @@
               </a:rPr>
               <a:t>200</a:t>
             </a:r>
-            <a:endParaRPr sz="2000">
+            <a:endParaRPr sz="2000" dirty="0">
               <a:latin typeface="Courier New" panose="02070309020205020404"/>
               <a:cs typeface="Courier New" panose="02070309020205020404"/>
             </a:endParaRPr>
@@ -17345,7 +17721,7 @@
               </a:rPr>
               <a:t>%3$d</a:t>
             </a:r>
-            <a:endParaRPr sz="2000">
+            <a:endParaRPr sz="2000" dirty="0">
               <a:latin typeface="Courier New" panose="02070309020205020404"/>
               <a:cs typeface="Courier New" panose="02070309020205020404"/>
             </a:endParaRPr>
@@ -17399,7 +17775,7 @@
               </a:rPr>
               <a:t>%1$d</a:t>
             </a:r>
-            <a:endParaRPr sz="2000">
+            <a:endParaRPr sz="2000" dirty="0">
               <a:latin typeface="Courier New" panose="02070309020205020404"/>
               <a:cs typeface="Courier New" panose="02070309020205020404"/>
             </a:endParaRPr>
@@ -17455,7 +17831,7 @@
               </a:rPr>
               <a:t>”,</a:t>
             </a:r>
-            <a:endParaRPr sz="2000">
+            <a:endParaRPr sz="2000" dirty="0">
               <a:latin typeface="Courier New" panose="02070309020205020404"/>
               <a:cs typeface="Courier New" panose="02070309020205020404"/>
             </a:endParaRPr>
@@ -17750,7 +18126,7 @@
               </a:rPr>
               <a:t>%&lt;d</a:t>
             </a:r>
-            <a:endParaRPr sz="2000">
+            <a:endParaRPr sz="2000" dirty="0">
               <a:latin typeface="Courier New" panose="02070309020205020404"/>
               <a:cs typeface="Courier New" panose="02070309020205020404"/>
             </a:endParaRPr>
@@ -17936,7 +18312,7 @@
           <p:nvPr/>
         </p:nvPicPr>
         <p:blipFill>
-          <a:blip r:embed="rId2" cstate="print"/>
+          <a:blip r:embed="rId3" cstate="print"/>
           <a:stretch>
             <a:fillRect/>
           </a:stretch>
@@ -17972,7 +18348,7 @@
             <p:nvPr/>
           </p:nvPicPr>
           <p:blipFill>
-            <a:blip r:embed="rId3" cstate="print"/>
+            <a:blip r:embed="rId4" cstate="print"/>
             <a:stretch>
               <a:fillRect/>
             </a:stretch>
@@ -18052,7 +18428,9 @@
           <p:txBody>
             <a:bodyPr wrap="square" lIns="0" tIns="0" rIns="0" bIns="0" rtlCol="0"/>
             <a:lstStyle/>
-            <a:p/>
+            <a:p>
+              <a:endParaRPr/>
+            </a:p>
           </p:txBody>
         </p:sp>
         <p:sp>
@@ -18102,7 +18480,9 @@
           <p:txBody>
             <a:bodyPr wrap="square" lIns="0" tIns="0" rIns="0" bIns="0" rtlCol="0"/>
             <a:lstStyle/>
-            <a:p/>
+            <a:p>
+              <a:endParaRPr/>
+            </a:p>
           </p:txBody>
         </p:sp>
         <p:sp>
@@ -18188,7 +18568,9 @@
           <p:txBody>
             <a:bodyPr wrap="square" lIns="0" tIns="0" rIns="0" bIns="0" rtlCol="0"/>
             <a:lstStyle/>
-            <a:p/>
+            <a:p>
+              <a:endParaRPr/>
+            </a:p>
           </p:txBody>
         </p:sp>
         <p:sp>
@@ -18238,7 +18620,9 @@
           <p:txBody>
             <a:bodyPr wrap="square" lIns="0" tIns="0" rIns="0" bIns="0" rtlCol="0"/>
             <a:lstStyle/>
-            <a:p/>
+            <a:p>
+              <a:endParaRPr/>
+            </a:p>
           </p:txBody>
         </p:sp>
         <p:sp>
@@ -18342,7 +18726,9 @@
           <p:txBody>
             <a:bodyPr wrap="square" lIns="0" tIns="0" rIns="0" bIns="0" rtlCol="0"/>
             <a:lstStyle/>
-            <a:p/>
+            <a:p>
+              <a:endParaRPr/>
+            </a:p>
           </p:txBody>
         </p:sp>
         <p:sp>
@@ -18410,7 +18796,9 @@
           <p:txBody>
             <a:bodyPr wrap="square" lIns="0" tIns="0" rIns="0" bIns="0" rtlCol="0"/>
             <a:lstStyle/>
-            <a:p/>
+            <a:p>
+              <a:endParaRPr/>
+            </a:p>
           </p:txBody>
         </p:sp>
       </p:grpSp>
@@ -18427,9 +18815,11 @@
         <p:spPr/>
         <p:txBody>
           <a:bodyPr/>
+          <a:lstStyle/>
           <a:p>
             <a:fld id="{B6F15528-21DE-4FAA-801E-634DDDAF4B2B}" type="slidenum">
               <a:rPr/>
+              <a:t>22</a:t>
             </a:fld>
             <a:endParaRPr/>
           </a:p>
@@ -18481,7 +18871,7 @@
             <p:nvPr/>
           </p:nvPicPr>
           <p:blipFill>
-            <a:blip r:embed="rId1" cstate="print"/>
+            <a:blip r:embed="rId2" cstate="print"/>
             <a:stretch>
               <a:fillRect/>
             </a:stretch>
@@ -18503,7 +18893,7 @@
             <p:nvPr/>
           </p:nvPicPr>
           <p:blipFill>
-            <a:blip r:embed="rId2" cstate="print"/>
+            <a:blip r:embed="rId3" cstate="print"/>
             <a:stretch>
               <a:fillRect/>
             </a:stretch>
@@ -18526,7 +18916,7 @@
           <p:nvPr/>
         </p:nvPicPr>
         <p:blipFill>
-          <a:blip r:embed="rId3" cstate="print"/>
+          <a:blip r:embed="rId4" cstate="print"/>
           <a:stretch>
             <a:fillRect/>
           </a:stretch>
@@ -18594,7 +18984,7 @@
           <p:nvPr/>
         </p:nvPicPr>
         <p:blipFill>
-          <a:blip r:embed="rId4" cstate="print"/>
+          <a:blip r:embed="rId5" cstate="print"/>
           <a:stretch>
             <a:fillRect/>
           </a:stretch>
@@ -18616,7 +19006,7 @@
           <p:nvPr/>
         </p:nvPicPr>
         <p:blipFill>
-          <a:blip r:embed="rId5" cstate="print"/>
+          <a:blip r:embed="rId6" cstate="print"/>
           <a:stretch>
             <a:fillRect/>
           </a:stretch>
@@ -18708,7 +19098,7 @@
           <p:nvPr/>
         </p:nvPicPr>
         <p:blipFill>
-          <a:blip r:embed="rId6" cstate="print"/>
+          <a:blip r:embed="rId7" cstate="print"/>
           <a:stretch>
             <a:fillRect/>
           </a:stretch>
@@ -18730,7 +19120,7 @@
           <p:nvPr/>
         </p:nvPicPr>
         <p:blipFill>
-          <a:blip r:embed="rId7" cstate="print"/>
+          <a:blip r:embed="rId8" cstate="print"/>
           <a:stretch>
             <a:fillRect/>
           </a:stretch>
@@ -18758,9 +19148,11 @@
         <p:spPr/>
         <p:txBody>
           <a:bodyPr/>
+          <a:lstStyle/>
           <a:p>
             <a:fld id="{B6F15528-21DE-4FAA-801E-634DDDAF4B2B}" type="slidenum">
               <a:rPr/>
+              <a:t>23</a:t>
             </a:fld>
             <a:endParaRPr/>
           </a:p>
@@ -18812,7 +19204,7 @@
             <p:nvPr/>
           </p:nvPicPr>
           <p:blipFill>
-            <a:blip r:embed="rId1" cstate="print"/>
+            <a:blip r:embed="rId2" cstate="print"/>
             <a:stretch>
               <a:fillRect/>
             </a:stretch>
@@ -18834,7 +19226,7 @@
             <p:nvPr/>
           </p:nvPicPr>
           <p:blipFill>
-            <a:blip r:embed="rId2" cstate="print"/>
+            <a:blip r:embed="rId3" cstate="print"/>
             <a:stretch>
               <a:fillRect/>
             </a:stretch>
@@ -18857,7 +19249,7 @@
           <p:nvPr/>
         </p:nvPicPr>
         <p:blipFill>
-          <a:blip r:embed="rId3" cstate="print"/>
+          <a:blip r:embed="rId4" cstate="print"/>
           <a:stretch>
             <a:fillRect/>
           </a:stretch>
@@ -18925,7 +19317,7 @@
           <p:nvPr/>
         </p:nvPicPr>
         <p:blipFill>
-          <a:blip r:embed="rId4" cstate="print"/>
+          <a:blip r:embed="rId5" cstate="print"/>
           <a:stretch>
             <a:fillRect/>
           </a:stretch>
@@ -18947,7 +19339,7 @@
           <p:nvPr/>
         </p:nvPicPr>
         <p:blipFill>
-          <a:blip r:embed="rId5" cstate="print"/>
+          <a:blip r:embed="rId6" cstate="print"/>
           <a:stretch>
             <a:fillRect/>
           </a:stretch>
@@ -19015,7 +19407,7 @@
           <p:nvPr/>
         </p:nvPicPr>
         <p:blipFill>
-          <a:blip r:embed="rId6" cstate="print"/>
+          <a:blip r:embed="rId7" cstate="print"/>
           <a:stretch>
             <a:fillRect/>
           </a:stretch>
@@ -19043,9 +19435,11 @@
         <p:spPr/>
         <p:txBody>
           <a:bodyPr/>
+          <a:lstStyle/>
           <a:p>
             <a:fld id="{B6F15528-21DE-4FAA-801E-634DDDAF4B2B}" type="slidenum">
               <a:rPr/>
+              <a:t>24</a:t>
             </a:fld>
             <a:endParaRPr/>
           </a:p>
@@ -19083,7 +19477,7 @@
           <p:nvPr/>
         </p:nvPicPr>
         <p:blipFill>
-          <a:blip r:embed="rId1" cstate="print"/>
+          <a:blip r:embed="rId2" cstate="print"/>
           <a:stretch>
             <a:fillRect/>
           </a:stretch>
@@ -19105,7 +19499,7 @@
           <p:nvPr/>
         </p:nvPicPr>
         <p:blipFill>
-          <a:blip r:embed="rId2" cstate="print"/>
+          <a:blip r:embed="rId3" cstate="print"/>
           <a:stretch>
             <a:fillRect/>
           </a:stretch>
@@ -19245,7 +19639,7 @@
           <p:nvPr/>
         </p:nvPicPr>
         <p:blipFill>
-          <a:blip r:embed="rId3" cstate="print"/>
+          <a:blip r:embed="rId4" cstate="print"/>
           <a:stretch>
             <a:fillRect/>
           </a:stretch>
@@ -19267,7 +19661,7 @@
           <p:nvPr/>
         </p:nvPicPr>
         <p:blipFill>
-          <a:blip r:embed="rId4" cstate="print"/>
+          <a:blip r:embed="rId5" cstate="print"/>
           <a:stretch>
             <a:fillRect/>
           </a:stretch>
@@ -19289,7 +19683,7 @@
           <p:nvPr/>
         </p:nvPicPr>
         <p:blipFill>
-          <a:blip r:embed="rId5" cstate="print"/>
+          <a:blip r:embed="rId6" cstate="print"/>
           <a:stretch>
             <a:fillRect/>
           </a:stretch>
@@ -19311,7 +19705,7 @@
           <p:nvPr/>
         </p:nvPicPr>
         <p:blipFill>
-          <a:blip r:embed="rId6" cstate="print"/>
+          <a:blip r:embed="rId7" cstate="print"/>
           <a:stretch>
             <a:fillRect/>
           </a:stretch>
@@ -19333,7 +19727,7 @@
           <p:nvPr/>
         </p:nvPicPr>
         <p:blipFill>
-          <a:blip r:embed="rId7" cstate="print"/>
+          <a:blip r:embed="rId8" cstate="print"/>
           <a:stretch>
             <a:fillRect/>
           </a:stretch>
@@ -19449,7 +19843,7 @@
           <p:nvPr/>
         </p:nvPicPr>
         <p:blipFill>
-          <a:blip r:embed="rId8" cstate="print"/>
+          <a:blip r:embed="rId9" cstate="print"/>
           <a:stretch>
             <a:fillRect/>
           </a:stretch>
@@ -19471,7 +19865,7 @@
           <p:nvPr/>
         </p:nvPicPr>
         <p:blipFill>
-          <a:blip r:embed="rId9" cstate="print"/>
+          <a:blip r:embed="rId10" cstate="print"/>
           <a:stretch>
             <a:fillRect/>
           </a:stretch>
@@ -19507,7 +19901,7 @@
             <p:nvPr/>
           </p:nvPicPr>
           <p:blipFill>
-            <a:blip r:embed="rId10" cstate="print"/>
+            <a:blip r:embed="rId11" cstate="print"/>
             <a:stretch>
               <a:fillRect/>
             </a:stretch>
@@ -19529,7 +19923,7 @@
             <p:nvPr/>
           </p:nvPicPr>
           <p:blipFill>
-            <a:blip r:embed="rId11" cstate="print"/>
+            <a:blip r:embed="rId12" cstate="print"/>
             <a:stretch>
               <a:fillRect/>
             </a:stretch>
@@ -19551,7 +19945,7 @@
             <p:nvPr/>
           </p:nvPicPr>
           <p:blipFill>
-            <a:blip r:embed="rId12" cstate="print"/>
+            <a:blip r:embed="rId13" cstate="print"/>
             <a:stretch>
               <a:fillRect/>
             </a:stretch>
@@ -19574,7 +19968,7 @@
           <p:nvPr/>
         </p:nvPicPr>
         <p:blipFill>
-          <a:blip r:embed="rId13" cstate="print"/>
+          <a:blip r:embed="rId14" cstate="print"/>
           <a:stretch>
             <a:fillRect/>
           </a:stretch>
@@ -19602,9 +19996,11 @@
         <p:spPr/>
         <p:txBody>
           <a:bodyPr/>
+          <a:lstStyle/>
           <a:p>
             <a:fld id="{B6F15528-21DE-4FAA-801E-634DDDAF4B2B}" type="slidenum">
               <a:rPr/>
+              <a:t>25</a:t>
             </a:fld>
             <a:endParaRPr/>
           </a:p>
@@ -19672,7 +20068,9 @@
         <p:txBody>
           <a:bodyPr wrap="square" lIns="0" tIns="0" rIns="0" bIns="0" rtlCol="0"/>
           <a:lstStyle/>
-          <a:p/>
+          <a:p>
+            <a:endParaRPr/>
+          </a:p>
         </p:txBody>
       </p:sp>
       <p:pic>
@@ -19682,7 +20080,7 @@
           <p:nvPr/>
         </p:nvPicPr>
         <p:blipFill>
-          <a:blip r:embed="rId1" cstate="print"/>
+          <a:blip r:embed="rId2" cstate="print"/>
           <a:stretch>
             <a:fillRect/>
           </a:stretch>
@@ -19704,7 +20102,7 @@
           <p:nvPr/>
         </p:nvPicPr>
         <p:blipFill>
-          <a:blip r:embed="rId2" cstate="print"/>
+          <a:blip r:embed="rId3" cstate="print"/>
           <a:stretch>
             <a:fillRect/>
           </a:stretch>
@@ -19796,7 +20194,7 @@
           <p:nvPr/>
         </p:nvPicPr>
         <p:blipFill>
-          <a:blip r:embed="rId3" cstate="print"/>
+          <a:blip r:embed="rId4" cstate="print"/>
           <a:stretch>
             <a:fillRect/>
           </a:stretch>
@@ -19832,7 +20230,7 @@
             <p:nvPr/>
           </p:nvPicPr>
           <p:blipFill>
-            <a:blip r:embed="rId4" cstate="print"/>
+            <a:blip r:embed="rId5" cstate="print"/>
             <a:stretch>
               <a:fillRect/>
             </a:stretch>
@@ -19854,7 +20252,7 @@
             <p:nvPr/>
           </p:nvPicPr>
           <p:blipFill>
-            <a:blip r:embed="rId5" cstate="print"/>
+            <a:blip r:embed="rId6" cstate="print"/>
             <a:stretch>
               <a:fillRect/>
             </a:stretch>
@@ -19877,7 +20275,7 @@
           <p:nvPr/>
         </p:nvPicPr>
         <p:blipFill>
-          <a:blip r:embed="rId6" cstate="print"/>
+          <a:blip r:embed="rId7" cstate="print"/>
           <a:stretch>
             <a:fillRect/>
           </a:stretch>
@@ -19905,9 +20303,11 @@
         <p:spPr/>
         <p:txBody>
           <a:bodyPr/>
+          <a:lstStyle/>
           <a:p>
             <a:fld id="{B6F15528-21DE-4FAA-801E-634DDDAF4B2B}" type="slidenum">
               <a:rPr/>
+              <a:t>3</a:t>
             </a:fld>
             <a:endParaRPr/>
           </a:p>
@@ -19975,7 +20375,9 @@
         <p:txBody>
           <a:bodyPr wrap="square" lIns="0" tIns="0" rIns="0" bIns="0" rtlCol="0"/>
           <a:lstStyle/>
-          <a:p/>
+          <a:p>
+            <a:endParaRPr/>
+          </a:p>
         </p:txBody>
       </p:sp>
       <p:pic>
@@ -19985,7 +20387,7 @@
           <p:nvPr/>
         </p:nvPicPr>
         <p:blipFill>
-          <a:blip r:embed="rId1" cstate="print"/>
+          <a:blip r:embed="rId2" cstate="print"/>
           <a:stretch>
             <a:fillRect/>
           </a:stretch>
@@ -20007,7 +20409,7 @@
           <p:nvPr/>
         </p:nvPicPr>
         <p:blipFill>
-          <a:blip r:embed="rId2" cstate="print"/>
+          <a:blip r:embed="rId3" cstate="print"/>
           <a:stretch>
             <a:fillRect/>
           </a:stretch>
@@ -20099,7 +20501,7 @@
           <p:nvPr/>
         </p:nvPicPr>
         <p:blipFill>
-          <a:blip r:embed="rId3" cstate="print"/>
+          <a:blip r:embed="rId4" cstate="print"/>
           <a:stretch>
             <a:fillRect/>
           </a:stretch>
@@ -20121,7 +20523,7 @@
           <p:nvPr/>
         </p:nvPicPr>
         <p:blipFill>
-          <a:blip r:embed="rId4" cstate="print"/>
+          <a:blip r:embed="rId5" cstate="print"/>
           <a:stretch>
             <a:fillRect/>
           </a:stretch>
@@ -20143,7 +20545,7 @@
           <p:nvPr/>
         </p:nvPicPr>
         <p:blipFill>
-          <a:blip r:embed="rId5" cstate="print"/>
+          <a:blip r:embed="rId6" cstate="print"/>
           <a:stretch>
             <a:fillRect/>
           </a:stretch>
@@ -20259,7 +20661,7 @@
           <p:nvPr/>
         </p:nvPicPr>
         <p:blipFill>
-          <a:blip r:embed="rId6" cstate="print"/>
+          <a:blip r:embed="rId7" cstate="print"/>
           <a:stretch>
             <a:fillRect/>
           </a:stretch>
@@ -20281,7 +20683,7 @@
           <p:nvPr/>
         </p:nvPicPr>
         <p:blipFill>
-          <a:blip r:embed="rId7" cstate="print"/>
+          <a:blip r:embed="rId8" cstate="print"/>
           <a:stretch>
             <a:fillRect/>
           </a:stretch>
@@ -20303,7 +20705,7 @@
           <p:nvPr/>
         </p:nvPicPr>
         <p:blipFill>
-          <a:blip r:embed="rId8" cstate="print"/>
+          <a:blip r:embed="rId9" cstate="print"/>
           <a:stretch>
             <a:fillRect/>
           </a:stretch>
@@ -20325,7 +20727,7 @@
           <p:nvPr/>
         </p:nvPicPr>
         <p:blipFill>
-          <a:blip r:embed="rId9" cstate="print"/>
+          <a:blip r:embed="rId10" cstate="print"/>
           <a:stretch>
             <a:fillRect/>
           </a:stretch>
@@ -20353,9 +20755,11 @@
         <p:spPr/>
         <p:txBody>
           <a:bodyPr/>
+          <a:lstStyle/>
           <a:p>
             <a:fld id="{B6F15528-21DE-4FAA-801E-634DDDAF4B2B}" type="slidenum">
               <a:rPr/>
+              <a:t>4</a:t>
             </a:fld>
             <a:endParaRPr/>
           </a:p>
@@ -20431,7 +20835,9 @@
         <p:txBody>
           <a:bodyPr wrap="square" lIns="0" tIns="0" rIns="0" bIns="0" rtlCol="0"/>
           <a:lstStyle/>
-          <a:p/>
+          <a:p>
+            <a:endParaRPr/>
+          </a:p>
         </p:txBody>
       </p:sp>
       <p:sp>
@@ -21451,7 +21857,7 @@
           <p:nvPr/>
         </p:nvPicPr>
         <p:blipFill>
-          <a:blip r:embed="rId1" cstate="print"/>
+          <a:blip r:embed="rId2" cstate="print"/>
           <a:stretch>
             <a:fillRect/>
           </a:stretch>
@@ -21511,7 +21917,9 @@
         <p:txBody>
           <a:bodyPr wrap="square" lIns="0" tIns="0" rIns="0" bIns="0" rtlCol="0"/>
           <a:lstStyle/>
-          <a:p/>
+          <a:p>
+            <a:endParaRPr/>
+          </a:p>
         </p:txBody>
       </p:sp>
       <p:sp>
@@ -21615,7 +22023,6 @@
               <a:rPr spc="-10" dirty="0"/>
               <a:t>old</a:t>
             </a:r>
-            <a:endParaRPr spc="-10" dirty="0"/>
           </a:p>
         </p:txBody>
       </p:sp>
@@ -21664,7 +22071,9 @@
         <p:txBody>
           <a:bodyPr wrap="square" lIns="0" tIns="0" rIns="0" bIns="0" rtlCol="0"/>
           <a:lstStyle/>
-          <a:p/>
+          <a:p>
+            <a:endParaRPr/>
+          </a:p>
         </p:txBody>
       </p:sp>
       <p:sp>
@@ -21714,7 +22123,9 @@
         <p:txBody>
           <a:bodyPr wrap="square" lIns="0" tIns="0" rIns="0" bIns="0" rtlCol="0"/>
           <a:lstStyle/>
-          <a:p/>
+          <a:p>
+            <a:endParaRPr/>
+          </a:p>
         </p:txBody>
       </p:sp>
       <p:sp>
@@ -21764,7 +22175,9 @@
         <p:txBody>
           <a:bodyPr wrap="square" lIns="0" tIns="0" rIns="0" bIns="0" rtlCol="0"/>
           <a:lstStyle/>
-          <a:p/>
+          <a:p>
+            <a:endParaRPr/>
+          </a:p>
         </p:txBody>
       </p:sp>
       <p:sp>
@@ -21814,7 +22227,9 @@
         <p:txBody>
           <a:bodyPr wrap="square" lIns="0" tIns="0" rIns="0" bIns="0" rtlCol="0"/>
           <a:lstStyle/>
-          <a:p/>
+          <a:p>
+            <a:endParaRPr/>
+          </a:p>
         </p:txBody>
       </p:sp>
       <p:sp>
@@ -21864,7 +22279,9 @@
         <p:txBody>
           <a:bodyPr wrap="square" lIns="0" tIns="0" rIns="0" bIns="0" rtlCol="0"/>
           <a:lstStyle/>
-          <a:p/>
+          <a:p>
+            <a:endParaRPr/>
+          </a:p>
         </p:txBody>
       </p:sp>
       <p:sp>
@@ -21880,9 +22297,11 @@
         <p:spPr/>
         <p:txBody>
           <a:bodyPr/>
+          <a:lstStyle/>
           <a:p>
             <a:fld id="{B6F15528-21DE-4FAA-801E-634DDDAF4B2B}" type="slidenum">
               <a:rPr/>
+              <a:t>5</a:t>
             </a:fld>
             <a:endParaRPr/>
           </a:p>
@@ -21958,7 +22377,9 @@
         <p:txBody>
           <a:bodyPr wrap="square" lIns="0" tIns="0" rIns="0" bIns="0" rtlCol="0"/>
           <a:lstStyle/>
-          <a:p/>
+          <a:p>
+            <a:endParaRPr/>
+          </a:p>
         </p:txBody>
       </p:sp>
       <p:sp>
@@ -22187,7 +22608,7 @@
         </p:nvGraphicFramePr>
         <p:xfrm>
           <a:off x="343154" y="2940444"/>
-          <a:ext cx="8751570" cy="793115"/>
+          <a:ext cx="8747757" cy="792856"/>
         </p:xfrm>
         <a:graphic>
           <a:graphicData uri="http://schemas.openxmlformats.org/drawingml/2006/table">
@@ -22196,14 +22617,62 @@
                 <a:tableStyleId>{2D5ABB26-0587-4C30-8999-92F81FD0307C}</a:tableStyleId>
               </a:tblPr>
               <a:tblGrid>
-                <a:gridCol w="946150"/>
-                <a:gridCol w="2820035"/>
-                <a:gridCol w="304800"/>
-                <a:gridCol w="1218564"/>
-                <a:gridCol w="380364"/>
-                <a:gridCol w="1294764"/>
-                <a:gridCol w="1523365"/>
-                <a:gridCol w="259715"/>
+                <a:gridCol w="946150">
+                  <a:extLst>
+                    <a:ext uri="{9D8B030D-6E8A-4147-A177-3AD203B41FA5}">
+                      <a16:colId xmlns:a16="http://schemas.microsoft.com/office/drawing/2014/main" val="20000"/>
+                    </a:ext>
+                  </a:extLst>
+                </a:gridCol>
+                <a:gridCol w="2820035">
+                  <a:extLst>
+                    <a:ext uri="{9D8B030D-6E8A-4147-A177-3AD203B41FA5}">
+                      <a16:colId xmlns:a16="http://schemas.microsoft.com/office/drawing/2014/main" val="20001"/>
+                    </a:ext>
+                  </a:extLst>
+                </a:gridCol>
+                <a:gridCol w="304800">
+                  <a:extLst>
+                    <a:ext uri="{9D8B030D-6E8A-4147-A177-3AD203B41FA5}">
+                      <a16:colId xmlns:a16="http://schemas.microsoft.com/office/drawing/2014/main" val="20002"/>
+                    </a:ext>
+                  </a:extLst>
+                </a:gridCol>
+                <a:gridCol w="1218564">
+                  <a:extLst>
+                    <a:ext uri="{9D8B030D-6E8A-4147-A177-3AD203B41FA5}">
+                      <a16:colId xmlns:a16="http://schemas.microsoft.com/office/drawing/2014/main" val="20003"/>
+                    </a:ext>
+                  </a:extLst>
+                </a:gridCol>
+                <a:gridCol w="380364">
+                  <a:extLst>
+                    <a:ext uri="{9D8B030D-6E8A-4147-A177-3AD203B41FA5}">
+                      <a16:colId xmlns:a16="http://schemas.microsoft.com/office/drawing/2014/main" val="20004"/>
+                    </a:ext>
+                  </a:extLst>
+                </a:gridCol>
+                <a:gridCol w="1294764">
+                  <a:extLst>
+                    <a:ext uri="{9D8B030D-6E8A-4147-A177-3AD203B41FA5}">
+                      <a16:colId xmlns:a16="http://schemas.microsoft.com/office/drawing/2014/main" val="20005"/>
+                    </a:ext>
+                  </a:extLst>
+                </a:gridCol>
+                <a:gridCol w="1523365">
+                  <a:extLst>
+                    <a:ext uri="{9D8B030D-6E8A-4147-A177-3AD203B41FA5}">
+                      <a16:colId xmlns:a16="http://schemas.microsoft.com/office/drawing/2014/main" val="20006"/>
+                    </a:ext>
+                  </a:extLst>
+                </a:gridCol>
+                <a:gridCol w="259715">
+                  <a:extLst>
+                    <a:ext uri="{9D8B030D-6E8A-4147-A177-3AD203B41FA5}">
+                      <a16:colId xmlns:a16="http://schemas.microsoft.com/office/drawing/2014/main" val="20007"/>
+                    </a:ext>
+                  </a:extLst>
+                </a:gridCol>
               </a:tblGrid>
               <a:tr h="396428">
                 <a:tc>
@@ -22586,6 +23055,11 @@
                     </a:solidFill>
                   </a:tcPr>
                 </a:tc>
+                <a:extLst>
+                  <a:ext uri="{0D108BD9-81ED-4DB2-BD59-A6C34878D82A}">
+                    <a16:rowId xmlns:a16="http://schemas.microsoft.com/office/drawing/2014/main" val="10000"/>
+                  </a:ext>
+                </a:extLst>
               </a:tr>
               <a:tr h="396428">
                 <a:tc>
@@ -22863,6 +23337,11 @@
                     </a:solidFill>
                   </a:tcPr>
                 </a:tc>
+                <a:extLst>
+                  <a:ext uri="{0D108BD9-81ED-4DB2-BD59-A6C34878D82A}">
+                    <a16:rowId xmlns:a16="http://schemas.microsoft.com/office/drawing/2014/main" val="10001"/>
+                  </a:ext>
+                </a:extLst>
               </a:tr>
             </a:tbl>
           </a:graphicData>
@@ -23115,7 +23594,7 @@
           <p:nvPr/>
         </p:nvPicPr>
         <p:blipFill>
-          <a:blip r:embed="rId1" cstate="print"/>
+          <a:blip r:embed="rId2" cstate="print"/>
           <a:stretch>
             <a:fillRect/>
           </a:stretch>
@@ -23175,7 +23654,9 @@
         <p:txBody>
           <a:bodyPr wrap="square" lIns="0" tIns="0" rIns="0" bIns="0" rtlCol="0"/>
           <a:lstStyle/>
-          <a:p/>
+          <a:p>
+            <a:endParaRPr/>
+          </a:p>
         </p:txBody>
       </p:sp>
       <p:sp>
@@ -23267,7 +23748,6 @@
               <a:rPr spc="-10" dirty="0"/>
               <a:t>years</a:t>
             </a:r>
-            <a:endParaRPr spc="-10" dirty="0"/>
           </a:p>
         </p:txBody>
       </p:sp>
@@ -23284,9 +23764,11 @@
         <p:spPr/>
         <p:txBody>
           <a:bodyPr/>
+          <a:lstStyle/>
           <a:p>
             <a:fld id="{B6F15528-21DE-4FAA-801E-634DDDAF4B2B}" type="slidenum">
               <a:rPr/>
+              <a:t>6</a:t>
             </a:fld>
             <a:endParaRPr/>
           </a:p>
@@ -23362,7 +23844,9 @@
         <p:txBody>
           <a:bodyPr wrap="square" lIns="0" tIns="0" rIns="0" bIns="0" rtlCol="0"/>
           <a:lstStyle/>
-          <a:p/>
+          <a:p>
+            <a:endParaRPr/>
+          </a:p>
         </p:txBody>
       </p:sp>
       <p:sp>
@@ -23591,7 +24075,7 @@
         </p:nvGraphicFramePr>
         <p:xfrm>
           <a:off x="343154" y="2940444"/>
-          <a:ext cx="8751570" cy="793115"/>
+          <a:ext cx="8747757" cy="792856"/>
         </p:xfrm>
         <a:graphic>
           <a:graphicData uri="http://schemas.openxmlformats.org/drawingml/2006/table">
@@ -23600,14 +24084,62 @@
                 <a:tableStyleId>{2D5ABB26-0587-4C30-8999-92F81FD0307C}</a:tableStyleId>
               </a:tblPr>
               <a:tblGrid>
-                <a:gridCol w="946150"/>
-                <a:gridCol w="2820035"/>
-                <a:gridCol w="304800"/>
-                <a:gridCol w="1218564"/>
-                <a:gridCol w="380364"/>
-                <a:gridCol w="1294764"/>
-                <a:gridCol w="1523365"/>
-                <a:gridCol w="259715"/>
+                <a:gridCol w="946150">
+                  <a:extLst>
+                    <a:ext uri="{9D8B030D-6E8A-4147-A177-3AD203B41FA5}">
+                      <a16:colId xmlns:a16="http://schemas.microsoft.com/office/drawing/2014/main" val="20000"/>
+                    </a:ext>
+                  </a:extLst>
+                </a:gridCol>
+                <a:gridCol w="2820035">
+                  <a:extLst>
+                    <a:ext uri="{9D8B030D-6E8A-4147-A177-3AD203B41FA5}">
+                      <a16:colId xmlns:a16="http://schemas.microsoft.com/office/drawing/2014/main" val="20001"/>
+                    </a:ext>
+                  </a:extLst>
+                </a:gridCol>
+                <a:gridCol w="304800">
+                  <a:extLst>
+                    <a:ext uri="{9D8B030D-6E8A-4147-A177-3AD203B41FA5}">
+                      <a16:colId xmlns:a16="http://schemas.microsoft.com/office/drawing/2014/main" val="20002"/>
+                    </a:ext>
+                  </a:extLst>
+                </a:gridCol>
+                <a:gridCol w="1218564">
+                  <a:extLst>
+                    <a:ext uri="{9D8B030D-6E8A-4147-A177-3AD203B41FA5}">
+                      <a16:colId xmlns:a16="http://schemas.microsoft.com/office/drawing/2014/main" val="20003"/>
+                    </a:ext>
+                  </a:extLst>
+                </a:gridCol>
+                <a:gridCol w="380364">
+                  <a:extLst>
+                    <a:ext uri="{9D8B030D-6E8A-4147-A177-3AD203B41FA5}">
+                      <a16:colId xmlns:a16="http://schemas.microsoft.com/office/drawing/2014/main" val="20004"/>
+                    </a:ext>
+                  </a:extLst>
+                </a:gridCol>
+                <a:gridCol w="1294764">
+                  <a:extLst>
+                    <a:ext uri="{9D8B030D-6E8A-4147-A177-3AD203B41FA5}">
+                      <a16:colId xmlns:a16="http://schemas.microsoft.com/office/drawing/2014/main" val="20005"/>
+                    </a:ext>
+                  </a:extLst>
+                </a:gridCol>
+                <a:gridCol w="1523365">
+                  <a:extLst>
+                    <a:ext uri="{9D8B030D-6E8A-4147-A177-3AD203B41FA5}">
+                      <a16:colId xmlns:a16="http://schemas.microsoft.com/office/drawing/2014/main" val="20006"/>
+                    </a:ext>
+                  </a:extLst>
+                </a:gridCol>
+                <a:gridCol w="259715">
+                  <a:extLst>
+                    <a:ext uri="{9D8B030D-6E8A-4147-A177-3AD203B41FA5}">
+                      <a16:colId xmlns:a16="http://schemas.microsoft.com/office/drawing/2014/main" val="20007"/>
+                    </a:ext>
+                  </a:extLst>
+                </a:gridCol>
               </a:tblGrid>
               <a:tr h="396428">
                 <a:tc>
@@ -23633,7 +24165,7 @@
                         </a:rPr>
                         <a:t>double</a:t>
                       </a:r>
-                      <a:endParaRPr sz="2000">
+                      <a:endParaRPr sz="2000" dirty="0">
                         <a:latin typeface="Courier New" panose="02070309020205020404"/>
                         <a:cs typeface="Courier New" panose="02070309020205020404"/>
                       </a:endParaRPr>
@@ -23718,7 +24250,7 @@
                         </a:rPr>
                         <a:t>david</a:t>
                       </a:r>
-                      <a:endParaRPr sz="2000">
+                      <a:endParaRPr sz="2000" dirty="0">
                         <a:latin typeface="Courier New" panose="02070309020205020404"/>
                         <a:cs typeface="Courier New" panose="02070309020205020404"/>
                       </a:endParaRPr>
@@ -23753,7 +24285,7 @@
                         </a:rPr>
                         <a:t>-</a:t>
                       </a:r>
-                      <a:endParaRPr sz="2000">
+                      <a:endParaRPr sz="2000" dirty="0">
                         <a:latin typeface="Courier New" panose="02070309020205020404"/>
                         <a:cs typeface="Courier New" panose="02070309020205020404"/>
                       </a:endParaRPr>
@@ -23798,7 +24330,7 @@
                         </a:rPr>
                         <a:t>)</a:t>
                       </a:r>
-                      <a:endParaRPr sz="2000">
+                      <a:endParaRPr sz="2000" dirty="0">
                         <a:latin typeface="Courier New" panose="02070309020205020404"/>
                         <a:cs typeface="Courier New" panose="02070309020205020404"/>
                       </a:endParaRPr>
@@ -23990,6 +24522,11 @@
                     </a:solidFill>
                   </a:tcPr>
                 </a:tc>
+                <a:extLst>
+                  <a:ext uri="{0D108BD9-81ED-4DB2-BD59-A6C34878D82A}">
+                    <a16:rowId xmlns:a16="http://schemas.microsoft.com/office/drawing/2014/main" val="10000"/>
+                  </a:ext>
+                </a:extLst>
               </a:tr>
               <a:tr h="396428">
                 <a:tc>
@@ -24167,7 +24704,7 @@
                         </a:rPr>
                         <a:t>3.0d;</a:t>
                       </a:r>
-                      <a:endParaRPr sz="2000">
+                      <a:endParaRPr sz="2000" dirty="0">
                         <a:latin typeface="Courier New" panose="02070309020205020404"/>
                         <a:cs typeface="Courier New" panose="02070309020205020404"/>
                       </a:endParaRPr>
@@ -24189,7 +24726,29 @@
                           <a:spcPct val="100000"/>
                         </a:lnSpc>
                       </a:pPr>
-                      <a:endParaRPr sz="2000">
+                      <a:endParaRPr sz="2000" dirty="0">
+                        <a:latin typeface="Times New Roman" panose="02020603050405020304"/>
+                        <a:cs typeface="Times New Roman" panose="02020603050405020304"/>
+                      </a:endParaRPr>
+                    </a:p>
+                  </a:txBody>
+                  <a:tcPr marL="0" marR="0" marT="0" marB="0">
+                    <a:solidFill>
+                      <a:srgbClr val="171717"/>
+                    </a:solidFill>
+                  </a:tcPr>
+                </a:tc>
+                <a:tc>
+                  <a:txBody>
+                    <a:bodyPr/>
+                    <a:lstStyle/>
+                    <a:p>
+                      <a:pPr>
+                        <a:lnSpc>
+                          <a:spcPct val="100000"/>
+                        </a:lnSpc>
+                      </a:pPr>
+                      <a:endParaRPr sz="2000" dirty="0">
                         <a:latin typeface="Times New Roman" panose="02020603050405020304"/>
                         <a:cs typeface="Times New Roman" panose="02020603050405020304"/>
                       </a:endParaRPr>
@@ -24233,7 +24792,7 @@
                           <a:spcPct val="100000"/>
                         </a:lnSpc>
                       </a:pPr>
-                      <a:endParaRPr sz="2000">
+                      <a:endParaRPr sz="2000" dirty="0">
                         <a:latin typeface="Times New Roman" panose="02020603050405020304"/>
                         <a:cs typeface="Times New Roman" panose="02020603050405020304"/>
                       </a:endParaRPr>
@@ -24245,28 +24804,11 @@
                     </a:solidFill>
                   </a:tcPr>
                 </a:tc>
-                <a:tc>
-                  <a:txBody>
-                    <a:bodyPr/>
-                    <a:lstStyle/>
-                    <a:p>
-                      <a:pPr>
-                        <a:lnSpc>
-                          <a:spcPct val="100000"/>
-                        </a:lnSpc>
-                      </a:pPr>
-                      <a:endParaRPr sz="2000">
-                        <a:latin typeface="Times New Roman" panose="02020603050405020304"/>
-                        <a:cs typeface="Times New Roman" panose="02020603050405020304"/>
-                      </a:endParaRPr>
-                    </a:p>
-                  </a:txBody>
-                  <a:tcPr marL="0" marR="0" marT="0" marB="0">
-                    <a:solidFill>
-                      <a:srgbClr val="171717"/>
-                    </a:solidFill>
-                  </a:tcPr>
-                </a:tc>
+                <a:extLst>
+                  <a:ext uri="{0D108BD9-81ED-4DB2-BD59-A6C34878D82A}">
+                    <a16:rowId xmlns:a16="http://schemas.microsoft.com/office/drawing/2014/main" val="10001"/>
+                  </a:ext>
+                </a:extLst>
               </a:tr>
             </a:tbl>
           </a:graphicData>
@@ -24559,7 +25101,7 @@
               </a:rPr>
               <a:t>%.1f</a:t>
             </a:r>
-            <a:endParaRPr sz="2000">
+            <a:endParaRPr sz="2000" dirty="0">
               <a:latin typeface="Courier New" panose="02070309020205020404"/>
               <a:cs typeface="Courier New" panose="02070309020205020404"/>
             </a:endParaRPr>
@@ -24649,7 +25191,7 @@
           <p:nvPr/>
         </p:nvPicPr>
         <p:blipFill>
-          <a:blip r:embed="rId1" cstate="print"/>
+          <a:blip r:embed="rId2" cstate="print"/>
           <a:stretch>
             <a:fillRect/>
           </a:stretch>
@@ -24760,7 +25302,6 @@
               <a:rPr spc="-10" dirty="0"/>
               <a:t>years</a:t>
             </a:r>
-            <a:endParaRPr spc="-10" dirty="0"/>
           </a:p>
         </p:txBody>
       </p:sp>
@@ -24777,9 +25318,11 @@
         <p:spPr/>
         <p:txBody>
           <a:bodyPr/>
+          <a:lstStyle/>
           <a:p>
             <a:fld id="{B6F15528-21DE-4FAA-801E-634DDDAF4B2B}" type="slidenum">
               <a:rPr/>
+              <a:t>7</a:t>
             </a:fld>
             <a:endParaRPr/>
           </a:p>
@@ -24817,7 +25360,7 @@
           <p:nvPr/>
         </p:nvPicPr>
         <p:blipFill>
-          <a:blip r:embed="rId1" cstate="print"/>
+          <a:blip r:embed="rId2" cstate="print"/>
           <a:stretch>
             <a:fillRect/>
           </a:stretch>
@@ -24853,7 +25396,7 @@
             <p:nvPr/>
           </p:nvPicPr>
           <p:blipFill>
-            <a:blip r:embed="rId2" cstate="print"/>
+            <a:blip r:embed="rId3" cstate="print"/>
             <a:stretch>
               <a:fillRect/>
             </a:stretch>
@@ -24875,7 +25418,7 @@
             <p:nvPr/>
           </p:nvPicPr>
           <p:blipFill>
-            <a:blip r:embed="rId3" cstate="print"/>
+            <a:blip r:embed="rId4" cstate="print"/>
             <a:stretch>
               <a:fillRect/>
             </a:stretch>
@@ -24904,9 +25447,11 @@
         <p:spPr/>
         <p:txBody>
           <a:bodyPr/>
+          <a:lstStyle/>
           <a:p>
             <a:fld id="{B6F15528-21DE-4FAA-801E-634DDDAF4B2B}" type="slidenum">
               <a:rPr/>
+              <a:t>8</a:t>
             </a:fld>
             <a:endParaRPr/>
           </a:p>
@@ -24944,7 +25489,7 @@
           <p:nvPr/>
         </p:nvPicPr>
         <p:blipFill>
-          <a:blip r:embed="rId1" cstate="print"/>
+          <a:blip r:embed="rId2" cstate="print"/>
           <a:stretch>
             <a:fillRect/>
           </a:stretch>
@@ -24980,7 +25525,7 @@
             <p:nvPr/>
           </p:nvPicPr>
           <p:blipFill>
-            <a:blip r:embed="rId2" cstate="print"/>
+            <a:blip r:embed="rId3" cstate="print"/>
             <a:stretch>
               <a:fillRect/>
             </a:stretch>
@@ -25043,7 +25588,9 @@
           <p:txBody>
             <a:bodyPr wrap="square" lIns="0" tIns="0" rIns="0" bIns="0" rtlCol="0"/>
             <a:lstStyle/>
-            <a:p/>
+            <a:p>
+              <a:endParaRPr/>
+            </a:p>
           </p:txBody>
         </p:sp>
         <p:sp>
@@ -25091,7 +25638,9 @@
           <p:txBody>
             <a:bodyPr wrap="square" lIns="0" tIns="0" rIns="0" bIns="0" rtlCol="0"/>
             <a:lstStyle/>
-            <a:p/>
+            <a:p>
+              <a:endParaRPr/>
+            </a:p>
           </p:txBody>
         </p:sp>
         <p:pic>
@@ -25101,7 +25650,7 @@
             <p:nvPr/>
           </p:nvPicPr>
           <p:blipFill>
-            <a:blip r:embed="rId3" cstate="print"/>
+            <a:blip r:embed="rId4" cstate="print"/>
             <a:stretch>
               <a:fillRect/>
             </a:stretch>
@@ -25123,7 +25672,7 @@
             <p:nvPr/>
           </p:nvPicPr>
           <p:blipFill>
-            <a:blip r:embed="rId4" cstate="print"/>
+            <a:blip r:embed="rId5" cstate="print"/>
             <a:stretch>
               <a:fillRect/>
             </a:stretch>
@@ -25184,7 +25733,9 @@
         <p:txBody>
           <a:bodyPr wrap="square" lIns="0" tIns="0" rIns="0" bIns="0" rtlCol="0"/>
           <a:lstStyle/>
-          <a:p/>
+          <a:p>
+            <a:endParaRPr/>
+          </a:p>
         </p:txBody>
       </p:sp>
       <p:sp>
@@ -25235,7 +25786,9 @@
         <p:txBody>
           <a:bodyPr wrap="square" lIns="0" tIns="0" rIns="0" bIns="0" rtlCol="0"/>
           <a:lstStyle/>
-          <a:p/>
+          <a:p>
+            <a:endParaRPr/>
+          </a:p>
         </p:txBody>
       </p:sp>
       <p:grpSp>
@@ -25259,7 +25812,7 @@
             <p:nvPr/>
           </p:nvPicPr>
           <p:blipFill>
-            <a:blip r:embed="rId5" cstate="print"/>
+            <a:blip r:embed="rId6" cstate="print"/>
             <a:stretch>
               <a:fillRect/>
             </a:stretch>
@@ -25281,7 +25834,7 @@
             <p:nvPr/>
           </p:nvPicPr>
           <p:blipFill>
-            <a:blip r:embed="rId4" cstate="print"/>
+            <a:blip r:embed="rId5" cstate="print"/>
             <a:stretch>
               <a:fillRect/>
             </a:stretch>
@@ -25318,7 +25871,7 @@
             <p:nvPr/>
           </p:nvPicPr>
           <p:blipFill>
-            <a:blip r:embed="rId6" cstate="print"/>
+            <a:blip r:embed="rId7" cstate="print"/>
             <a:stretch>
               <a:fillRect/>
             </a:stretch>
@@ -25340,7 +25893,7 @@
             <p:nvPr/>
           </p:nvPicPr>
           <p:blipFill>
-            <a:blip r:embed="rId7" cstate="print"/>
+            <a:blip r:embed="rId8" cstate="print"/>
             <a:stretch>
               <a:fillRect/>
             </a:stretch>
@@ -25362,7 +25915,7 @@
             <p:nvPr/>
           </p:nvPicPr>
           <p:blipFill>
-            <a:blip r:embed="rId8" cstate="print"/>
+            <a:blip r:embed="rId9" cstate="print"/>
             <a:stretch>
               <a:fillRect/>
             </a:stretch>
@@ -25384,7 +25937,7 @@
             <p:nvPr/>
           </p:nvPicPr>
           <p:blipFill>
-            <a:blip r:embed="rId7" cstate="print"/>
+            <a:blip r:embed="rId8" cstate="print"/>
             <a:stretch>
               <a:fillRect/>
             </a:stretch>
@@ -25406,7 +25959,7 @@
             <p:nvPr/>
           </p:nvPicPr>
           <p:blipFill>
-            <a:blip r:embed="rId9" cstate="print"/>
+            <a:blip r:embed="rId10" cstate="print"/>
             <a:stretch>
               <a:fillRect/>
             </a:stretch>
@@ -25435,9 +25988,11 @@
         <p:spPr/>
         <p:txBody>
           <a:bodyPr/>
+          <a:lstStyle/>
           <a:p>
             <a:fld id="{B6F15528-21DE-4FAA-801E-634DDDAF4B2B}" type="slidenum">
               <a:rPr/>
+              <a:t>9</a:t>
             </a:fld>
             <a:endParaRPr/>
           </a:p>
@@ -25729,6 +26284,8 @@
       </a:bgFillStyleLst>
     </a:fmtScheme>
   </a:themeElements>
+  <a:objectDefaults/>
+  <a:extraClrSchemeLst/>
   <a:extLst>
     <a:ext uri="{05A4C25C-085E-4340-85A3-A5531E510DB2}">
       <thm15:themeFamily xmlns:thm15="http://schemas.microsoft.com/office/thememl/2012/main" name="Office Theme" id="{62F939B6-93AF-4DB8-9C6B-D6C7DFDC589F}" vid="{4A3C46E8-61CC-4603-A589-7422A47A8E4A}"/>
@@ -25988,6 +26545,8 @@
       </a:bgFillStyleLst>
     </a:fmtScheme>
   </a:themeElements>
+  <a:objectDefaults/>
+  <a:extraClrSchemeLst/>
   <a:extLst>
     <a:ext uri="{05A4C25C-085E-4340-85A3-A5531E510DB2}">
       <thm15:themeFamily xmlns:thm15="http://schemas.microsoft.com/office/thememl/2012/main" name="Office Theme" id="{62F939B6-93AF-4DB8-9C6B-D6C7DFDC589F}" vid="{4A3C46E8-61CC-4603-A589-7422A47A8E4A}"/>
